--- a/presentacio/FINAL_PRESENTATION-2022.pptx
+++ b/presentacio/FINAL_PRESENTATION-2022.pptx
@@ -359,7 +359,7 @@
             <a:fld id="{0CFEC368-1D7A-4F81-ABF6-AE0E36BAF64C}" type="slidenum">
               <a:rPr lang="en-US" smtClean="0"/>
               <a:pPr/>
-              <a:t>‹#›</a:t>
+              <a:t>‹Nº›</a:t>
             </a:fld>
             <a:endParaRPr lang="en-US"/>
           </a:p>
@@ -561,7 +561,7 @@
             <a:fld id="{0CFEC368-1D7A-4F81-ABF6-AE0E36BAF64C}" type="slidenum">
               <a:rPr lang="en-US" smtClean="0"/>
               <a:pPr/>
-              <a:t>‹#›</a:t>
+              <a:t>‹Nº›</a:t>
             </a:fld>
             <a:endParaRPr lang="en-US"/>
           </a:p>
@@ -738,7 +738,7 @@
             <a:fld id="{0CFEC368-1D7A-4F81-ABF6-AE0E36BAF64C}" type="slidenum">
               <a:rPr lang="en-US" smtClean="0"/>
               <a:pPr/>
-              <a:t>‹#›</a:t>
+              <a:t>‹Nº›</a:t>
             </a:fld>
             <a:endParaRPr lang="en-US"/>
           </a:p>
@@ -905,7 +905,7 @@
             <a:fld id="{0CFEC368-1D7A-4F81-ABF6-AE0E36BAF64C}" type="slidenum">
               <a:rPr lang="en-US" smtClean="0"/>
               <a:pPr/>
-              <a:t>‹#›</a:t>
+              <a:t>‹Nº›</a:t>
             </a:fld>
             <a:endParaRPr lang="en-US"/>
           </a:p>
@@ -1155,7 +1155,7 @@
             <a:fld id="{0CFEC368-1D7A-4F81-ABF6-AE0E36BAF64C}" type="slidenum">
               <a:rPr lang="en-US" smtClean="0"/>
               <a:pPr/>
-              <a:t>‹#›</a:t>
+              <a:t>‹Nº›</a:t>
             </a:fld>
             <a:endParaRPr lang="en-US"/>
           </a:p>
@@ -1475,7 +1475,7 @@
             <a:fld id="{0CFEC368-1D7A-4F81-ABF6-AE0E36BAF64C}" type="slidenum">
               <a:rPr lang="en-US" smtClean="0"/>
               <a:pPr/>
-              <a:t>‹#›</a:t>
+              <a:t>‹Nº›</a:t>
             </a:fld>
             <a:endParaRPr lang="en-US"/>
           </a:p>
@@ -1943,7 +1943,7 @@
             <a:fld id="{0CFEC368-1D7A-4F81-ABF6-AE0E36BAF64C}" type="slidenum">
               <a:rPr lang="en-US" smtClean="0"/>
               <a:pPr/>
-              <a:t>‹#›</a:t>
+              <a:t>‹Nº›</a:t>
             </a:fld>
             <a:endParaRPr lang="en-US"/>
           </a:p>
@@ -2093,7 +2093,7 @@
             <a:fld id="{0CFEC368-1D7A-4F81-ABF6-AE0E36BAF64C}" type="slidenum">
               <a:rPr lang="en-US" smtClean="0"/>
               <a:pPr/>
-              <a:t>‹#›</a:t>
+              <a:t>‹Nº›</a:t>
             </a:fld>
             <a:endParaRPr lang="en-US"/>
           </a:p>
@@ -2185,7 +2185,7 @@
             <a:fld id="{0CFEC368-1D7A-4F81-ABF6-AE0E36BAF64C}" type="slidenum">
               <a:rPr lang="en-US" smtClean="0"/>
               <a:pPr/>
-              <a:t>‹#›</a:t>
+              <a:t>‹Nº›</a:t>
             </a:fld>
             <a:endParaRPr lang="en-US"/>
           </a:p>
@@ -2461,7 +2461,7 @@
             <a:fld id="{0CFEC368-1D7A-4F81-ABF6-AE0E36BAF64C}" type="slidenum">
               <a:rPr lang="en-US" smtClean="0"/>
               <a:pPr/>
-              <a:t>‹#›</a:t>
+              <a:t>‹Nº›</a:t>
             </a:fld>
             <a:endParaRPr lang="en-US"/>
           </a:p>
@@ -2768,7 +2768,7 @@
             <a:fld id="{0CFEC368-1D7A-4F81-ABF6-AE0E36BAF64C}" type="slidenum">
               <a:rPr lang="en-US" smtClean="0"/>
               <a:pPr/>
-              <a:t>‹#›</a:t>
+              <a:t>‹Nº›</a:t>
             </a:fld>
             <a:endParaRPr lang="en-US"/>
           </a:p>
@@ -3100,7 +3100,7 @@
             <a:fld id="{0CFEC368-1D7A-4F81-ABF6-AE0E36BAF64C}" type="slidenum">
               <a:rPr lang="en-US" smtClean="0"/>
               <a:pPr/>
-              <a:t>‹#›</a:t>
+              <a:t>‹Nº›</a:t>
             </a:fld>
             <a:endParaRPr lang="en-US" dirty="0"/>
           </a:p>
@@ -5461,7 +5461,7 @@
         </p:spPr>
         <p:txBody>
           <a:bodyPr vert="horz" lIns="91440" tIns="45720" rIns="91440" bIns="45720" rtlCol="0" anchor="ctr">
-            <a:normAutofit fontScale="92500" lnSpcReduction="20000"/>
+            <a:normAutofit fontScale="77500" lnSpcReduction="20000"/>
           </a:bodyPr>
           <a:lstStyle>
             <a:lvl1pPr marL="182880" indent="-182880" algn="l" defTabSz="914400" rtl="0" eaLnBrk="1" latinLnBrk="0" hangingPunct="1">
@@ -5678,15 +5678,7 @@
             </a:r>
             <a:r>
               <a:rPr lang="ca-ES" dirty="0"/>
-              <a:t> per </a:t>
-            </a:r>
-            <a:r>
-              <a:rPr lang="ca-ES" dirty="0" err="1"/>
-              <a:t>detetar</a:t>
-            </a:r>
-            <a:r>
-              <a:rPr lang="ca-ES" dirty="0"/>
-              <a:t> persones</a:t>
+              <a:t> per detectar persones</a:t>
             </a:r>
           </a:p>
           <a:p>
@@ -5697,8 +5689,234 @@
           </a:p>
           <a:p>
             <a:r>
+              <a:rPr lang="es-ES" b="0" i="0" dirty="0" err="1">
+                <a:solidFill>
+                  <a:srgbClr val="000000"/>
+                </a:solidFill>
+                <a:effectLst/>
+                <a:latin typeface="Open Sans" panose="020B0604020202020204" pitchFamily="34" charset="0"/>
+              </a:rPr>
+              <a:t>Fusió</a:t>
+            </a:r>
+            <a:r>
+              <a:rPr lang="es-ES" b="0" i="0" dirty="0">
+                <a:solidFill>
+                  <a:srgbClr val="000000"/>
+                </a:solidFill>
+                <a:effectLst/>
+                <a:latin typeface="Open Sans" panose="020B0604020202020204" pitchFamily="34" charset="0"/>
+              </a:rPr>
+              <a:t> de </a:t>
+            </a:r>
+            <a:r>
+              <a:rPr lang="es-ES" b="0" i="0" dirty="0" err="1">
+                <a:solidFill>
+                  <a:srgbClr val="000000"/>
+                </a:solidFill>
+                <a:effectLst/>
+                <a:latin typeface="Open Sans" panose="020B0604020202020204" pitchFamily="34" charset="0"/>
+              </a:rPr>
+              <a:t>càmeres</a:t>
+            </a:r>
+            <a:r>
+              <a:rPr lang="es-ES" b="0" i="0" dirty="0">
+                <a:solidFill>
+                  <a:srgbClr val="000000"/>
+                </a:solidFill>
+                <a:effectLst/>
+                <a:latin typeface="Open Sans" panose="020B0604020202020204" pitchFamily="34" charset="0"/>
+              </a:rPr>
+              <a:t>: </a:t>
+            </a:r>
+            <a:r>
+              <a:rPr lang="es-ES" b="0" i="0" dirty="0" err="1">
+                <a:solidFill>
+                  <a:srgbClr val="000000"/>
+                </a:solidFill>
+                <a:effectLst/>
+                <a:latin typeface="Open Sans" panose="020B0604020202020204" pitchFamily="34" charset="0"/>
+              </a:rPr>
+              <a:t>ajuntar</a:t>
+            </a:r>
+            <a:r>
+              <a:rPr lang="es-ES" b="0" i="0" dirty="0">
+                <a:solidFill>
+                  <a:srgbClr val="000000"/>
+                </a:solidFill>
+                <a:effectLst/>
+                <a:latin typeface="Open Sans" panose="020B0604020202020204" pitchFamily="34" charset="0"/>
+              </a:rPr>
+              <a:t> la imatge de la </a:t>
+            </a:r>
+            <a:r>
+              <a:rPr lang="es-ES" b="0" i="0" dirty="0" err="1">
+                <a:solidFill>
+                  <a:srgbClr val="000000"/>
+                </a:solidFill>
+                <a:effectLst/>
+                <a:latin typeface="Open Sans" panose="020B0604020202020204" pitchFamily="34" charset="0"/>
+              </a:rPr>
+              <a:t>càmera</a:t>
+            </a:r>
+            <a:r>
+              <a:rPr lang="es-ES" b="0" i="0" dirty="0">
+                <a:solidFill>
+                  <a:srgbClr val="000000"/>
+                </a:solidFill>
+                <a:effectLst/>
+                <a:latin typeface="Open Sans" panose="020B0604020202020204" pitchFamily="34" charset="0"/>
+              </a:rPr>
+              <a:t> </a:t>
+            </a:r>
+            <a:r>
+              <a:rPr lang="es-ES" b="0" i="0" dirty="0" err="1">
+                <a:solidFill>
+                  <a:srgbClr val="000000"/>
+                </a:solidFill>
+                <a:effectLst/>
+                <a:latin typeface="Open Sans" panose="020B0604020202020204" pitchFamily="34" charset="0"/>
+              </a:rPr>
+              <a:t>tèrmica</a:t>
+            </a:r>
+            <a:r>
+              <a:rPr lang="es-ES" b="0" i="0" dirty="0">
+                <a:solidFill>
+                  <a:srgbClr val="000000"/>
+                </a:solidFill>
+                <a:effectLst/>
+                <a:latin typeface="Open Sans" panose="020B0604020202020204" pitchFamily="34" charset="0"/>
+              </a:rPr>
+              <a:t> (8x8 pixels) i la normal, fent </a:t>
+            </a:r>
+            <a:r>
+              <a:rPr lang="es-ES" b="0" i="0" dirty="0" err="1">
+                <a:solidFill>
+                  <a:srgbClr val="000000"/>
+                </a:solidFill>
+                <a:effectLst/>
+                <a:latin typeface="Open Sans" panose="020B0604020202020204" pitchFamily="34" charset="0"/>
+              </a:rPr>
+              <a:t>interpolació</a:t>
+            </a:r>
+            <a:r>
+              <a:rPr lang="es-ES" b="0" i="0" dirty="0">
+                <a:solidFill>
+                  <a:srgbClr val="000000"/>
+                </a:solidFill>
+                <a:effectLst/>
+                <a:latin typeface="Open Sans" panose="020B0604020202020204" pitchFamily="34" charset="0"/>
+              </a:rPr>
+              <a:t> </a:t>
+            </a:r>
+            <a:r>
+              <a:rPr lang="es-ES" b="0" i="0" dirty="0" err="1">
+                <a:solidFill>
+                  <a:srgbClr val="000000"/>
+                </a:solidFill>
+                <a:effectLst/>
+                <a:latin typeface="Open Sans" panose="020B0604020202020204" pitchFamily="34" charset="0"/>
+              </a:rPr>
+              <a:t>bicúbica</a:t>
+            </a:r>
+            <a:r>
+              <a:rPr lang="es-ES" b="0" i="0" dirty="0">
+                <a:solidFill>
+                  <a:srgbClr val="000000"/>
+                </a:solidFill>
+                <a:effectLst/>
+                <a:latin typeface="Open Sans" panose="020B0604020202020204" pitchFamily="34" charset="0"/>
+              </a:rPr>
+              <a:t> de la </a:t>
+            </a:r>
+            <a:r>
+              <a:rPr lang="es-ES" b="0" i="0" dirty="0" err="1">
+                <a:solidFill>
+                  <a:srgbClr val="000000"/>
+                </a:solidFill>
+                <a:effectLst/>
+                <a:latin typeface="Open Sans" panose="020B0604020202020204" pitchFamily="34" charset="0"/>
+              </a:rPr>
+              <a:t>tèrmica</a:t>
+            </a:r>
+            <a:r>
+              <a:rPr lang="es-ES" b="0" i="0" dirty="0">
+                <a:solidFill>
+                  <a:srgbClr val="000000"/>
+                </a:solidFill>
+                <a:effectLst/>
+                <a:latin typeface="Open Sans" panose="020B0604020202020204" pitchFamily="34" charset="0"/>
+              </a:rPr>
+              <a:t> per </a:t>
+            </a:r>
+            <a:r>
+              <a:rPr lang="es-ES" b="0" i="0" dirty="0" err="1">
+                <a:solidFill>
+                  <a:srgbClr val="000000"/>
+                </a:solidFill>
+                <a:effectLst/>
+                <a:latin typeface="Open Sans" panose="020B0604020202020204" pitchFamily="34" charset="0"/>
+              </a:rPr>
+              <a:t>fer</a:t>
+            </a:r>
+            <a:r>
+              <a:rPr lang="es-ES" b="0" i="0" dirty="0">
+                <a:solidFill>
+                  <a:srgbClr val="000000"/>
+                </a:solidFill>
+                <a:effectLst/>
+                <a:latin typeface="Open Sans" panose="020B0604020202020204" pitchFamily="34" charset="0"/>
+              </a:rPr>
+              <a:t>-la més gran de el que realment </a:t>
+            </a:r>
+            <a:r>
+              <a:rPr lang="es-ES" b="0" i="0" dirty="0" err="1">
+                <a:solidFill>
+                  <a:srgbClr val="000000"/>
+                </a:solidFill>
+                <a:effectLst/>
+                <a:latin typeface="Open Sans" panose="020B0604020202020204" pitchFamily="34" charset="0"/>
+              </a:rPr>
+              <a:t>és</a:t>
+            </a:r>
+            <a:r>
+              <a:rPr lang="es-ES" b="0" i="0" dirty="0">
+                <a:solidFill>
+                  <a:srgbClr val="000000"/>
+                </a:solidFill>
+                <a:effectLst/>
+                <a:latin typeface="Open Sans" panose="020B0604020202020204" pitchFamily="34" charset="0"/>
+              </a:rPr>
+              <a:t>.</a:t>
+            </a:r>
+            <a:br>
+              <a:rPr lang="es-ES" dirty="0"/>
+            </a:br>
+            <a:endParaRPr lang="ca-ES" dirty="0"/>
+          </a:p>
+          <a:p>
+            <a:r>
+              <a:rPr lang="ca-ES" dirty="0" err="1"/>
+              <a:t>Google</a:t>
+            </a:r>
+            <a:r>
               <a:rPr lang="ca-ES" dirty="0"/>
-              <a:t>Fusió de càmeres: ajuntar la imatge de la càmera tèrmica i la norma</a:t>
+              <a:t> </a:t>
+            </a:r>
+            <a:r>
+              <a:rPr lang="ca-ES" dirty="0" err="1"/>
+              <a:t>Cloud</a:t>
+            </a:r>
+            <a:r>
+              <a:rPr lang="ca-ES" dirty="0"/>
+              <a:t>: </a:t>
+            </a:r>
+            <a:r>
+              <a:rPr lang="ca-ES" dirty="0" err="1"/>
+              <a:t>Speech</a:t>
+            </a:r>
+            <a:r>
+              <a:rPr lang="ca-ES" dirty="0"/>
+              <a:t> to text per aconseguir transcripció en temps real del que recull el micròfon del robot.</a:t>
             </a:r>
           </a:p>
           <a:p>
@@ -5709,40 +5927,32 @@
           </a:p>
           <a:p>
             <a:r>
-              <a:rPr lang="ca-ES" dirty="0" err="1"/>
-              <a:t>Google</a:t>
-            </a:r>
-            <a:r>
-              <a:rPr lang="ca-ES" dirty="0"/>
-              <a:t> </a:t>
-            </a:r>
-            <a:r>
-              <a:rPr lang="ca-ES" dirty="0" err="1"/>
-              <a:t>Cloud</a:t>
-            </a:r>
-            <a:r>
-              <a:rPr lang="ca-ES" dirty="0"/>
-              <a:t>: Voice to Text</a:t>
-            </a:r>
-          </a:p>
-          <a:p>
-            <a:pPr marL="0" indent="0">
-              <a:buNone/>
-            </a:pPr>
-            <a:endParaRPr lang="ca-ES" dirty="0"/>
-          </a:p>
-          <a:p>
-            <a:r>
               <a:rPr lang="ca-ES" dirty="0"/>
               <a:t>Servidor amb </a:t>
             </a:r>
             <a:r>
               <a:rPr lang="ca-ES" dirty="0" err="1"/>
-              <a:t>websocket</a:t>
+              <a:t>Flask</a:t>
             </a:r>
             <a:r>
               <a:rPr lang="ca-ES" dirty="0"/>
-              <a:t>: veure vídeo, transcripció veu, temperatura, gràfic valors dels sensors </a:t>
+              <a:t> i </a:t>
+            </a:r>
+            <a:r>
+              <a:rPr lang="ca-ES" dirty="0" err="1"/>
+              <a:t>websockets</a:t>
+            </a:r>
+            <a:r>
+              <a:rPr lang="ca-ES" dirty="0"/>
+              <a:t>: Permet veure les imatges de les càmeres en </a:t>
+            </a:r>
+            <a:r>
+              <a:rPr lang="ca-ES" dirty="0" err="1"/>
+              <a:t>streaming</a:t>
+            </a:r>
+            <a:r>
+              <a:rPr lang="ca-ES" dirty="0"/>
+              <a:t>, dades i gràfiques en temps real dels sensors i la transcripció en temps real.</a:t>
             </a:r>
           </a:p>
         </p:txBody>

--- a/presentacio/FINAL_PRESENTATION-2022.pptx
+++ b/presentacio/FINAL_PRESENTATION-2022.pptx
@@ -5,11 +5,10 @@
     <p:sldMasterId id="2147483960" r:id="rId1"/>
   </p:sldMasterIdLst>
   <p:sldIdLst>
-    <p:sldId id="263" r:id="rId2"/>
-    <p:sldId id="256" r:id="rId3"/>
-    <p:sldId id="262" r:id="rId4"/>
-    <p:sldId id="261" r:id="rId5"/>
-    <p:sldId id="258" r:id="rId6"/>
+    <p:sldId id="256" r:id="rId2"/>
+    <p:sldId id="262" r:id="rId3"/>
+    <p:sldId id="261" r:id="rId4"/>
+    <p:sldId id="258" r:id="rId5"/>
   </p:sldIdLst>
   <p:sldSz cx="9144000" cy="6858000" type="screen4x3"/>
   <p:notesSz cx="6858000" cy="9144000"/>
@@ -3431,120 +3430,172 @@
             <a:spLocks noGrp="1"/>
           </p:cNvSpPr>
           <p:nvPr>
-            <p:ph type="title"/>
+            <p:ph type="ctrTitle"/>
           </p:nvPr>
         </p:nvSpPr>
         <p:spPr>
           <a:xfrm>
-            <a:off x="550695" y="525919"/>
-            <a:ext cx="8229600" cy="1046866"/>
+            <a:off x="547577" y="3054169"/>
+            <a:ext cx="7848600" cy="1927225"/>
           </a:xfrm>
         </p:spPr>
         <p:txBody>
+          <a:bodyPr/>
+          <a:lstStyle/>
+          <a:p>
+            <a:r>
+              <a:rPr lang="en-US" dirty="0"/>
+              <a:t>LUCI</a:t>
+            </a:r>
+          </a:p>
+        </p:txBody>
+      </p:sp>
+      <p:sp>
+        <p:nvSpPr>
+          <p:cNvPr id="3" name="Subtitle 2"/>
+          <p:cNvSpPr>
+            <a:spLocks noGrp="1"/>
+          </p:cNvSpPr>
+          <p:nvPr>
+            <p:ph type="subTitle" idx="1"/>
+          </p:nvPr>
+        </p:nvSpPr>
+        <p:spPr>
+          <a:xfrm>
+            <a:off x="547577" y="4853519"/>
+            <a:ext cx="3516019" cy="1752600"/>
+          </a:xfrm>
+        </p:spPr>
+        <p:txBody>
           <a:bodyPr>
-            <a:normAutofit fontScale="90000"/>
+            <a:noAutofit/>
           </a:bodyPr>
           <a:lstStyle/>
           <a:p>
             <a:r>
-              <a:rPr lang="en-US" dirty="0"/>
-              <a:t>Com </a:t>
-            </a:r>
-            <a:r>
-              <a:rPr lang="en-US" dirty="0" err="1"/>
-              <a:t>ser</a:t>
-            </a:r>
-            <a:r>
-              <a:rPr lang="es-ES" dirty="0"/>
-              <a:t>à la </a:t>
-            </a:r>
-            <a:r>
-              <a:rPr lang="es-ES" dirty="0" err="1"/>
-              <a:t>vostra</a:t>
-            </a:r>
-            <a:r>
-              <a:rPr lang="es-ES" dirty="0"/>
+              <a:rPr lang="en-US" sz="1400" dirty="0"/>
+              <a:t>Martí Caixal </a:t>
+            </a:r>
+            <a:r>
+              <a:rPr lang="en-US" sz="1400" dirty="0" err="1"/>
+              <a:t>i</a:t>
+            </a:r>
+            <a:r>
+              <a:rPr lang="en-US" sz="1400" dirty="0"/>
               <a:t> </a:t>
             </a:r>
             <a:r>
-              <a:rPr lang="es-ES" dirty="0" err="1"/>
-              <a:t>presentació</a:t>
-            </a:r>
-            <a:r>
-              <a:rPr lang="es-ES" dirty="0"/>
-              <a:t> del </a:t>
-            </a:r>
-            <a:r>
-              <a:rPr lang="es-ES" dirty="0" err="1"/>
-              <a:t>dia</a:t>
-            </a:r>
-            <a:r>
-              <a:rPr lang="es-ES" dirty="0"/>
+              <a:rPr lang="en-US" sz="1400" dirty="0" err="1"/>
+              <a:t>Joaquinet</a:t>
+            </a:r>
+            <a:endParaRPr lang="en-US" sz="1400" dirty="0"/>
+          </a:p>
+          <a:p>
+            <a:r>
+              <a:rPr lang="en-US" sz="1400" dirty="0" err="1"/>
+              <a:t>Hernán</a:t>
+            </a:r>
+            <a:r>
+              <a:rPr lang="en-US" sz="1400" dirty="0"/>
               <a:t> </a:t>
             </a:r>
-            <a:br>
-              <a:rPr lang="es-ES" dirty="0"/>
-            </a:br>
-            <a:r>
-              <a:rPr lang="es-ES" dirty="0"/>
-              <a:t>1 de </a:t>
-            </a:r>
-            <a:r>
-              <a:rPr lang="es-ES" dirty="0" err="1"/>
-              <a:t>Juny</a:t>
-            </a:r>
-            <a:r>
-              <a:rPr lang="es-ES" dirty="0"/>
-              <a:t> a les 15.00h a </a:t>
-            </a:r>
-            <a:r>
-              <a:rPr lang="es-ES" dirty="0" err="1"/>
-              <a:t>l’Open</a:t>
-            </a:r>
-            <a:r>
-              <a:rPr lang="es-ES" dirty="0"/>
+            <a:r>
+              <a:rPr lang="en-US" sz="1400" dirty="0" err="1"/>
+              <a:t>Capilla</a:t>
+            </a:r>
+            <a:r>
+              <a:rPr lang="en-US" sz="1400" dirty="0"/>
               <a:t> </a:t>
             </a:r>
             <a:r>
-              <a:rPr lang="es-ES" dirty="0" err="1"/>
-              <a:t>Lab</a:t>
-            </a:r>
-            <a:r>
-              <a:rPr lang="es-ES" dirty="0"/>
-              <a:t>? </a:t>
-            </a:r>
-            <a:endParaRPr lang="en-US" dirty="0"/>
-          </a:p>
-        </p:txBody>
-      </p:sp>
-      <p:sp>
-        <p:nvSpPr>
-          <p:cNvPr id="6" name="Subtitle 2"/>
-          <p:cNvSpPr txBox="1">
-            <a:spLocks/>
-          </p:cNvSpPr>
+              <a:rPr lang="en-US" sz="1400" dirty="0" err="1"/>
+              <a:t>Urbano</a:t>
+            </a:r>
+            <a:r>
+              <a:rPr lang="en-US" sz="1400" dirty="0"/>
+              <a:t> </a:t>
+            </a:r>
+          </a:p>
+          <a:p>
+            <a:r>
+              <a:rPr lang="en-US" sz="1400" dirty="0"/>
+              <a:t>Marc </a:t>
+            </a:r>
+            <a:r>
+              <a:rPr lang="en-US" sz="1400" dirty="0" err="1"/>
+              <a:t>Garrofé</a:t>
+            </a:r>
+            <a:r>
+              <a:rPr lang="en-US" sz="1400" dirty="0"/>
+              <a:t> Urrutia</a:t>
+            </a:r>
+          </a:p>
+          <a:p>
+            <a:r>
+              <a:rPr lang="en-US" sz="1400" dirty="0"/>
+              <a:t>Ricard Lopez Olivares</a:t>
+            </a:r>
+          </a:p>
+          <a:p>
+            <a:r>
+              <a:rPr lang="en-US" sz="1400" dirty="0"/>
+              <a:t>Bruno Moya </a:t>
+            </a:r>
+            <a:r>
+              <a:rPr lang="en-US" sz="1400" dirty="0" err="1"/>
+              <a:t>Ruíz</a:t>
+            </a:r>
+            <a:endParaRPr lang="en-US" sz="1400" dirty="0"/>
+          </a:p>
+        </p:txBody>
+      </p:sp>
+      <p:pic>
+        <p:nvPicPr>
+          <p:cNvPr id="4" name="Picture 3"/>
+          <p:cNvPicPr>
+            <a:picLocks noChangeAspect="1"/>
+          </p:cNvPicPr>
           <p:nvPr/>
-        </p:nvSpPr>
+        </p:nvPicPr>
+        <p:blipFill>
+          <a:blip r:embed="rId2"/>
+          <a:stretch>
+            <a:fillRect/>
+          </a:stretch>
+        </p:blipFill>
         <p:spPr>
           <a:xfrm>
-            <a:off x="170121" y="1673621"/>
-            <a:ext cx="8739961" cy="5107993"/>
+            <a:off x="5871302" y="6124050"/>
+            <a:ext cx="3007964" cy="540864"/>
           </a:xfrm>
           <a:prstGeom prst="rect">
             <a:avLst/>
           </a:prstGeom>
-          <a:ln>
-            <a:solidFill>
-              <a:srgbClr val="274857"/>
-            </a:solidFill>
-          </a:ln>
         </p:spPr>
-        <p:txBody>
-          <a:bodyPr vert="horz" lIns="91440" tIns="45720" rIns="91440" bIns="45720" rtlCol="0" anchor="ctr">
+      </p:pic>
+      <p:sp>
+        <p:nvSpPr>
+          <p:cNvPr id="7" name="Subtitle 2"/>
+          <p:cNvSpPr txBox="1">
+            <a:spLocks/>
+          </p:cNvSpPr>
+          <p:nvPr/>
+        </p:nvSpPr>
+        <p:spPr>
+          <a:xfrm>
+            <a:off x="6144198" y="3141833"/>
+            <a:ext cx="2710409" cy="210385"/>
+          </a:xfrm>
+          <a:prstGeom prst="rect">
+            <a:avLst/>
+          </a:prstGeom>
+        </p:spPr>
+        <p:txBody>
+          <a:bodyPr vert="horz" lIns="91440" tIns="45720" rIns="91440" bIns="45720" rtlCol="0">
             <a:normAutofit/>
           </a:bodyPr>
           <a:lstStyle>
-            <a:lvl1pPr marL="182880" indent="-182880" algn="l" defTabSz="914400" rtl="0" eaLnBrk="1" latinLnBrk="0" hangingPunct="1">
+            <a:lvl1pPr marL="0" indent="0" algn="l" defTabSz="914400" rtl="0" eaLnBrk="1" latinLnBrk="0" hangingPunct="1">
               <a:spcBef>
                 <a:spcPct val="20000"/>
               </a:spcBef>
@@ -3553,17 +3604,20 @@
               </a:buClr>
               <a:buSzPct val="85000"/>
               <a:buFont typeface="Arial" pitchFamily="34" charset="0"/>
-              <a:buChar char="•"/>
+              <a:buNone/>
               <a:defRPr sz="2400" kern="1200">
                 <a:solidFill>
-                  <a:schemeClr val="tx1"/>
+                  <a:schemeClr val="tx1">
+                    <a:lumMod val="75000"/>
+                    <a:lumOff val="25000"/>
+                  </a:schemeClr>
                 </a:solidFill>
                 <a:latin typeface="+mn-lt"/>
                 <a:ea typeface="+mn-ea"/>
                 <a:cs typeface="+mn-cs"/>
               </a:defRPr>
             </a:lvl1pPr>
-            <a:lvl2pPr marL="457200" indent="-182880" algn="l" defTabSz="914400" rtl="0" eaLnBrk="1" latinLnBrk="0" hangingPunct="1">
+            <a:lvl2pPr marL="457200" indent="0" algn="ctr" defTabSz="914400" rtl="0" eaLnBrk="1" latinLnBrk="0" hangingPunct="1">
               <a:spcBef>
                 <a:spcPct val="20000"/>
               </a:spcBef>
@@ -3572,17 +3626,19 @@
               </a:buClr>
               <a:buSzPct val="85000"/>
               <a:buFont typeface="Arial" pitchFamily="34" charset="0"/>
-              <a:buChar char="•"/>
+              <a:buNone/>
               <a:defRPr sz="2000" kern="1200">
                 <a:solidFill>
-                  <a:schemeClr val="tx1"/>
+                  <a:schemeClr val="tx1">
+                    <a:tint val="75000"/>
+                  </a:schemeClr>
                 </a:solidFill>
                 <a:latin typeface="+mn-lt"/>
                 <a:ea typeface="+mn-ea"/>
                 <a:cs typeface="+mn-cs"/>
               </a:defRPr>
             </a:lvl2pPr>
-            <a:lvl3pPr marL="731520" indent="-182880" algn="l" defTabSz="914400" rtl="0" eaLnBrk="1" latinLnBrk="0" hangingPunct="1">
+            <a:lvl3pPr marL="914400" indent="0" algn="ctr" defTabSz="914400" rtl="0" eaLnBrk="1" latinLnBrk="0" hangingPunct="1">
               <a:spcBef>
                 <a:spcPct val="20000"/>
               </a:spcBef>
@@ -3591,17 +3647,19 @@
               </a:buClr>
               <a:buSzPct val="90000"/>
               <a:buFont typeface="Arial" pitchFamily="34" charset="0"/>
-              <a:buChar char="•"/>
+              <a:buNone/>
               <a:defRPr sz="1800" kern="1200">
                 <a:solidFill>
-                  <a:schemeClr val="tx1"/>
+                  <a:schemeClr val="tx1">
+                    <a:tint val="75000"/>
+                  </a:schemeClr>
                 </a:solidFill>
                 <a:latin typeface="+mn-lt"/>
                 <a:ea typeface="+mn-ea"/>
                 <a:cs typeface="+mn-cs"/>
               </a:defRPr>
             </a:lvl3pPr>
-            <a:lvl4pPr marL="1005840" indent="-182880" algn="l" defTabSz="914400" rtl="0" eaLnBrk="1" latinLnBrk="0" hangingPunct="1">
+            <a:lvl4pPr marL="1371600" indent="0" algn="ctr" defTabSz="914400" rtl="0" eaLnBrk="1" latinLnBrk="0" hangingPunct="1">
               <a:spcBef>
                 <a:spcPct val="20000"/>
               </a:spcBef>
@@ -3609,17 +3667,19 @@
                 <a:schemeClr val="accent1"/>
               </a:buClr>
               <a:buFont typeface="Arial" pitchFamily="34" charset="0"/>
-              <a:buChar char="•"/>
+              <a:buNone/>
               <a:defRPr sz="1600" kern="1200">
                 <a:solidFill>
-                  <a:schemeClr val="tx1"/>
+                  <a:schemeClr val="tx1">
+                    <a:tint val="75000"/>
+                  </a:schemeClr>
                 </a:solidFill>
                 <a:latin typeface="+mn-lt"/>
                 <a:ea typeface="+mn-ea"/>
                 <a:cs typeface="+mn-cs"/>
               </a:defRPr>
             </a:lvl4pPr>
-            <a:lvl5pPr marL="1188720" indent="-137160" algn="l" defTabSz="914400" rtl="0" eaLnBrk="1" latinLnBrk="0" hangingPunct="1">
+            <a:lvl5pPr marL="1828800" indent="0" algn="ctr" defTabSz="914400" rtl="0" eaLnBrk="1" latinLnBrk="0" hangingPunct="1">
               <a:spcBef>
                 <a:spcPct val="20000"/>
               </a:spcBef>
@@ -3628,17 +3688,19 @@
               </a:buClr>
               <a:buSzPct val="100000"/>
               <a:buFont typeface="Arial" pitchFamily="34" charset="0"/>
-              <a:buChar char="•"/>
+              <a:buNone/>
               <a:defRPr sz="1400" kern="1200" baseline="0">
                 <a:solidFill>
-                  <a:schemeClr val="tx1"/>
+                  <a:schemeClr val="tx1">
+                    <a:tint val="75000"/>
+                  </a:schemeClr>
                 </a:solidFill>
                 <a:latin typeface="+mn-lt"/>
                 <a:ea typeface="+mn-ea"/>
                 <a:cs typeface="+mn-cs"/>
               </a:defRPr>
             </a:lvl5pPr>
-            <a:lvl6pPr marL="1371600" indent="-182880" algn="l" defTabSz="914400" rtl="0" eaLnBrk="1" latinLnBrk="0" hangingPunct="1">
+            <a:lvl6pPr marL="2286000" indent="0" algn="ctr" defTabSz="914400" rtl="0" eaLnBrk="1" latinLnBrk="0" hangingPunct="1">
               <a:spcBef>
                 <a:spcPct val="20000"/>
               </a:spcBef>
@@ -3646,17 +3708,19 @@
                 <a:schemeClr val="accent1"/>
               </a:buClr>
               <a:buFont typeface="Arial" pitchFamily="34" charset="0"/>
-              <a:buChar char="•"/>
+              <a:buNone/>
               <a:defRPr sz="1300" kern="1200">
                 <a:solidFill>
-                  <a:schemeClr val="tx1"/>
+                  <a:schemeClr val="tx1">
+                    <a:tint val="75000"/>
+                  </a:schemeClr>
                 </a:solidFill>
                 <a:latin typeface="+mn-lt"/>
                 <a:ea typeface="+mn-ea"/>
                 <a:cs typeface="+mn-cs"/>
               </a:defRPr>
             </a:lvl6pPr>
-            <a:lvl7pPr marL="1554480" indent="-182880" algn="l" defTabSz="914400" rtl="0" eaLnBrk="1" latinLnBrk="0" hangingPunct="1">
+            <a:lvl7pPr marL="2743200" indent="0" algn="ctr" defTabSz="914400" rtl="0" eaLnBrk="1" latinLnBrk="0" hangingPunct="1">
               <a:spcBef>
                 <a:spcPct val="20000"/>
               </a:spcBef>
@@ -3664,17 +3728,19 @@
                 <a:schemeClr val="accent1"/>
               </a:buClr>
               <a:buFont typeface="Arial" pitchFamily="34" charset="0"/>
-              <a:buChar char="•"/>
+              <a:buNone/>
               <a:defRPr sz="1300" kern="1200">
                 <a:solidFill>
-                  <a:schemeClr val="tx1"/>
+                  <a:schemeClr val="tx1">
+                    <a:tint val="75000"/>
+                  </a:schemeClr>
                 </a:solidFill>
                 <a:latin typeface="+mn-lt"/>
                 <a:ea typeface="+mn-ea"/>
                 <a:cs typeface="+mn-cs"/>
               </a:defRPr>
             </a:lvl7pPr>
-            <a:lvl8pPr marL="1737360" indent="-182880" algn="l" defTabSz="914400" rtl="0" eaLnBrk="1" latinLnBrk="0" hangingPunct="1">
+            <a:lvl8pPr marL="3200400" indent="0" algn="ctr" defTabSz="914400" rtl="0" eaLnBrk="1" latinLnBrk="0" hangingPunct="1">
               <a:spcBef>
                 <a:spcPct val="20000"/>
               </a:spcBef>
@@ -3682,17 +3748,19 @@
                 <a:schemeClr val="accent1"/>
               </a:buClr>
               <a:buFont typeface="Arial" pitchFamily="34" charset="0"/>
-              <a:buChar char="•"/>
+              <a:buNone/>
               <a:defRPr sz="1300" kern="1200">
                 <a:solidFill>
-                  <a:schemeClr val="tx1"/>
+                  <a:schemeClr val="tx1">
+                    <a:tint val="75000"/>
+                  </a:schemeClr>
                 </a:solidFill>
                 <a:latin typeface="+mn-lt"/>
                 <a:ea typeface="+mn-ea"/>
                 <a:cs typeface="+mn-cs"/>
               </a:defRPr>
             </a:lvl8pPr>
-            <a:lvl9pPr marL="1920240" indent="-182880" algn="l" defTabSz="914400" rtl="0" eaLnBrk="1" latinLnBrk="0" hangingPunct="1">
+            <a:lvl9pPr marL="3657600" indent="0" algn="ctr" defTabSz="914400" rtl="0" eaLnBrk="1" latinLnBrk="0" hangingPunct="1">
               <a:spcBef>
                 <a:spcPct val="20000"/>
               </a:spcBef>
@@ -3700,10 +3768,12 @@
                 <a:schemeClr val="accent1"/>
               </a:buClr>
               <a:buFont typeface="Arial" pitchFamily="34" charset="0"/>
-              <a:buChar char="•"/>
+              <a:buNone/>
               <a:defRPr sz="1300" kern="1200">
                 <a:solidFill>
-                  <a:schemeClr val="tx1"/>
+                  <a:schemeClr val="tx1">
+                    <a:tint val="75000"/>
+                  </a:schemeClr>
                 </a:solidFill>
                 <a:latin typeface="+mn-lt"/>
                 <a:ea typeface="+mn-ea"/>
@@ -3712,325 +3782,47 @@
             </a:lvl9pPr>
           </a:lstStyle>
           <a:p>
-            <a:endParaRPr lang="en-US" sz="4400" dirty="0"/>
-          </a:p>
-        </p:txBody>
-      </p:sp>
-      <p:sp>
-        <p:nvSpPr>
-          <p:cNvPr id="3" name="TextBox 2"/>
-          <p:cNvSpPr txBox="1"/>
+            <a:r>
+              <a:rPr lang="en-US" sz="600" dirty="0"/>
+              <a:t>pd: no </a:t>
+            </a:r>
+            <a:r>
+              <a:rPr lang="en-US" sz="600" dirty="0" err="1"/>
+              <a:t>és</a:t>
+            </a:r>
+            <a:r>
+              <a:rPr lang="en-US" sz="600" dirty="0"/>
+              <a:t> un sandwich (:</a:t>
+            </a:r>
+          </a:p>
+          <a:p>
+            <a:endParaRPr lang="en-US" sz="1800" dirty="0"/>
+          </a:p>
+        </p:txBody>
+      </p:sp>
+      <p:sp>
+        <p:nvSpPr>
+          <p:cNvPr id="8" name="Subtitle 2"/>
+          <p:cNvSpPr txBox="1">
+            <a:spLocks/>
+          </p:cNvSpPr>
           <p:nvPr/>
         </p:nvSpPr>
         <p:spPr>
           <a:xfrm>
-            <a:off x="170121" y="1799580"/>
-            <a:ext cx="8739961" cy="4924425"/>
+            <a:off x="3556741" y="4981394"/>
+            <a:ext cx="4629122" cy="1752600"/>
           </a:xfrm>
           <a:prstGeom prst="rect">
             <a:avLst/>
           </a:prstGeom>
-          <a:noFill/>
         </p:spPr>
         <p:txBody>
-          <a:bodyPr wrap="square" rtlCol="0">
-            <a:spAutoFit/>
-          </a:bodyPr>
-          <a:lstStyle/>
-          <a:p>
-            <a:r>
-              <a:rPr lang="ca-ES" sz="1600" b="1" dirty="0"/>
-              <a:t>Heu de ser-hi </a:t>
-            </a:r>
-            <a:r>
-              <a:rPr lang="ca-ES" sz="1600" b="1" dirty="0" err="1"/>
-              <a:t>l’Open</a:t>
-            </a:r>
-            <a:r>
-              <a:rPr lang="ca-ES" sz="1600" b="1" dirty="0"/>
-              <a:t> </a:t>
-            </a:r>
-            <a:r>
-              <a:rPr lang="ca-ES" sz="1600" b="1" dirty="0" err="1"/>
-              <a:t>Lab</a:t>
-            </a:r>
-            <a:r>
-              <a:rPr lang="ca-ES" sz="1600" b="1" dirty="0"/>
-              <a:t> de l’Escola (a l’entrada principal, i al final del passadís de la dreta) el DIMECRES 1 de JUNY a les 14.45h. </a:t>
-            </a:r>
-            <a:r>
-              <a:rPr lang="ca-ES" sz="1600" b="1" u="sng" dirty="0"/>
-              <a:t>Començarem en punt a les 15.00h.</a:t>
-            </a:r>
-            <a:r>
-              <a:rPr lang="ca-ES" sz="1600" b="1" dirty="0"/>
-              <a:t> Tindreu 4 min. (240 segons) per la vostra presentació. </a:t>
-            </a:r>
-          </a:p>
-          <a:p>
-            <a:r>
-              <a:rPr lang="ca-ES" sz="1600" dirty="0"/>
-              <a:t>Heu de fer servir aquesta distribució de temps i el </a:t>
-            </a:r>
-            <a:r>
-              <a:rPr lang="ca-ES" sz="1600" dirty="0" err="1"/>
-              <a:t>ppt</a:t>
-            </a:r>
-            <a:r>
-              <a:rPr lang="ca-ES" sz="1600" dirty="0"/>
-              <a:t> com a referència: </a:t>
-            </a:r>
-            <a:endParaRPr lang="ca-ES" sz="1600" b="1" dirty="0"/>
-          </a:p>
-          <a:p>
-            <a:endParaRPr lang="ca-ES" sz="1600" dirty="0"/>
-          </a:p>
-          <a:p>
-            <a:pPr marL="285750" indent="-285750">
-              <a:buFont typeface="Arial" charset="0"/>
-              <a:buChar char="•"/>
-            </a:pPr>
-            <a:r>
-              <a:rPr lang="ca-ES" sz="1600" b="1" dirty="0"/>
-              <a:t>De 0 a 60 segons (diapositiva “Nom del Robot”)</a:t>
-            </a:r>
-          </a:p>
-          <a:p>
-            <a:pPr lvl="1"/>
-            <a:r>
-              <a:rPr lang="ca-ES" sz="1100" b="1" dirty="0"/>
-              <a:t>"1 </a:t>
-            </a:r>
-            <a:r>
-              <a:rPr lang="ca-ES" sz="1100" b="1" dirty="0" err="1"/>
-              <a:t>Minute</a:t>
-            </a:r>
-            <a:r>
-              <a:rPr lang="ca-ES" sz="1100" b="1" dirty="0"/>
-              <a:t> </a:t>
-            </a:r>
-            <a:r>
-              <a:rPr lang="ca-ES" sz="1100" b="1" dirty="0" err="1"/>
-              <a:t>Elevator</a:t>
-            </a:r>
-            <a:r>
-              <a:rPr lang="ca-ES" sz="1100" b="1" dirty="0"/>
-              <a:t> Pitch":</a:t>
-            </a:r>
-            <a:br>
-              <a:rPr lang="ca-ES" sz="1100" b="1" dirty="0"/>
-            </a:br>
-            <a:r>
-              <a:rPr lang="ca-ES" sz="1100" dirty="0"/>
-              <a:t>00-05s: El nom del robot. </a:t>
-            </a:r>
-            <a:br>
-              <a:rPr lang="ca-ES" sz="1100" dirty="0"/>
-            </a:br>
-            <a:r>
-              <a:rPr lang="ca-ES" sz="1100" dirty="0"/>
-              <a:t>05-15s: Què fa el robot.</a:t>
-            </a:r>
-            <a:br>
-              <a:rPr lang="ca-ES" sz="1100" dirty="0"/>
-            </a:br>
-            <a:r>
-              <a:rPr lang="ca-ES" sz="1100" dirty="0"/>
-              <a:t>15-25s: Per què heu decidit dissenyar aquest robot.</a:t>
-            </a:r>
-            <a:br>
-              <a:rPr lang="ca-ES" sz="1100" dirty="0"/>
-            </a:br>
-            <a:r>
-              <a:rPr lang="ca-ES" sz="1100" dirty="0"/>
-              <a:t>25-40s: Enumeració dels mòduls software.</a:t>
-            </a:r>
-            <a:br>
-              <a:rPr lang="ca-ES" sz="1100" dirty="0"/>
-            </a:br>
-            <a:r>
-              <a:rPr lang="ca-ES" sz="1100" dirty="0"/>
-              <a:t>40-60s: Quins són els punts forts del projecte.</a:t>
-            </a:r>
-          </a:p>
-          <a:p>
-            <a:pPr lvl="1"/>
-            <a:endParaRPr lang="ca-ES" sz="1100" dirty="0"/>
-          </a:p>
-          <a:p>
-            <a:pPr marL="285750" indent="-285750">
-              <a:buFont typeface="Arial" charset="0"/>
-              <a:buChar char="•"/>
-            </a:pPr>
-            <a:r>
-              <a:rPr lang="ca-ES" sz="1600" b="1" dirty="0"/>
-              <a:t>De 60 a 120 segons (diapositiva ”1. Arquitectura hardware i software”)</a:t>
-            </a:r>
-            <a:r>
-              <a:rPr lang="ca-ES" sz="1600" dirty="0"/>
-              <a:t>:</a:t>
-            </a:r>
-          </a:p>
-          <a:p>
-            <a:pPr marL="450850" lvl="1"/>
-            <a:r>
-              <a:rPr lang="ca-ES" sz="1100" dirty="0"/>
-              <a:t>Entrareu en detalls sobre l’arquitectura hardware (components) i software (mòduls) proposades, indicant quins mòduls, de tots els identificats, heu decidit desenvolupar.</a:t>
-            </a:r>
-          </a:p>
-          <a:p>
-            <a:pPr marL="450850" lvl="1"/>
-            <a:r>
-              <a:rPr lang="ca-ES" sz="1100" dirty="0"/>
-              <a:t> </a:t>
-            </a:r>
-          </a:p>
-          <a:p>
-            <a:pPr marL="285750" indent="-285750">
-              <a:buFont typeface="Arial" charset="0"/>
-              <a:buChar char="•"/>
-            </a:pPr>
-            <a:r>
-              <a:rPr lang="ca-ES" sz="1600" b="1" dirty="0"/>
-              <a:t>De 120 a 180 segons (diapositiva “2. Algorísmica”):</a:t>
-            </a:r>
-          </a:p>
-          <a:p>
-            <a:pPr marL="450850"/>
-            <a:r>
-              <a:rPr lang="ca-ES" sz="1100" dirty="0"/>
-              <a:t>He d’enumerar i explicar breument els algorismes de navegació, cinemàtics, etc., que heu implementat.</a:t>
-            </a:r>
-            <a:endParaRPr lang="ca-ES" sz="1600" dirty="0"/>
-          </a:p>
-          <a:p>
-            <a:endParaRPr lang="ca-ES" sz="1600" dirty="0"/>
-          </a:p>
-          <a:p>
-            <a:pPr marL="292100" indent="-292100">
-              <a:buFont typeface="Arial" charset="0"/>
-              <a:buChar char="•"/>
-            </a:pPr>
-            <a:r>
-              <a:rPr lang="ca-ES" sz="1600" b="1" dirty="0"/>
-              <a:t>De 180 a 240 segons (diapositiva “3. Contribucions destacades”)</a:t>
-            </a:r>
-            <a:r>
-              <a:rPr lang="ca-ES" sz="1600" dirty="0"/>
-              <a:t>:</a:t>
-            </a:r>
-          </a:p>
-          <a:p>
-            <a:pPr marL="450850"/>
-            <a:r>
-              <a:rPr lang="ca-ES" sz="1100" dirty="0"/>
-              <a:t>Presentareu fotos/animacions que permetin veure les vostres </a:t>
-            </a:r>
-            <a:r>
-              <a:rPr lang="ca-ES" sz="1100" dirty="0" err="1"/>
-              <a:t>amazing</a:t>
-            </a:r>
-            <a:r>
-              <a:rPr lang="ca-ES" sz="1100" dirty="0"/>
-              <a:t> </a:t>
-            </a:r>
-            <a:r>
-              <a:rPr lang="ca-ES" sz="1100" dirty="0" err="1"/>
-              <a:t>contributions</a:t>
-            </a:r>
-            <a:r>
-              <a:rPr lang="ca-ES" sz="1100" b="1" dirty="0"/>
-              <a:t>.</a:t>
-            </a:r>
-            <a:r>
-              <a:rPr lang="ca-ES" sz="1100" dirty="0"/>
-              <a:t> També deixareu un enllaç al </a:t>
-            </a:r>
-            <a:r>
-              <a:rPr lang="ca-ES" sz="1100" dirty="0" err="1"/>
-              <a:t>github</a:t>
-            </a:r>
-            <a:r>
-              <a:rPr lang="ca-ES" sz="1100" dirty="0"/>
-              <a:t>.</a:t>
-            </a:r>
-          </a:p>
-          <a:p>
-            <a:pPr marL="450850"/>
-            <a:r>
-              <a:rPr lang="ca-ES" sz="1100" b="1" dirty="0"/>
-              <a:t> Podeu fer servir el vídeo </a:t>
-            </a:r>
-            <a:r>
-              <a:rPr lang="ca-ES" sz="1100" dirty="0"/>
-              <a:t>i indicar el punt exacte on voleu anar, fent sempre èmfasi en explicar els punts forts.</a:t>
-            </a:r>
-          </a:p>
-          <a:p>
-            <a:pPr marL="450850"/>
-            <a:r>
-              <a:rPr lang="ca-ES" sz="1100" dirty="0">
-                <a:solidFill>
-                  <a:srgbClr val="FF0000"/>
-                </a:solidFill>
-              </a:rPr>
-              <a:t>És obligatori mantenir l’estructura de les 4 diapositives i fer </a:t>
-            </a:r>
-            <a:r>
-              <a:rPr lang="ca-ES" sz="1100" i="1" dirty="0" err="1">
-                <a:solidFill>
-                  <a:srgbClr val="FF0000"/>
-                </a:solidFill>
-              </a:rPr>
-              <a:t>l’elevator</a:t>
-            </a:r>
-            <a:r>
-              <a:rPr lang="ca-ES" sz="1100" i="1" dirty="0">
-                <a:solidFill>
-                  <a:srgbClr val="FF0000"/>
-                </a:solidFill>
-              </a:rPr>
-              <a:t> pitch </a:t>
-            </a:r>
-            <a:r>
-              <a:rPr lang="ca-ES" sz="1100" dirty="0">
-                <a:solidFill>
-                  <a:srgbClr val="FF0000"/>
-                </a:solidFill>
-              </a:rPr>
-              <a:t>al principi de la presentació. </a:t>
-            </a:r>
-          </a:p>
-        </p:txBody>
-      </p:sp>
-      <p:sp>
-        <p:nvSpPr>
-          <p:cNvPr id="7" name="Subtitle 2"/>
-          <p:cNvSpPr txBox="1">
-            <a:spLocks/>
-          </p:cNvSpPr>
-          <p:nvPr/>
-        </p:nvSpPr>
-        <p:spPr>
-          <a:xfrm>
-            <a:off x="0" y="1"/>
-            <a:ext cx="9144000" cy="6858000"/>
-          </a:xfrm>
-          <a:prstGeom prst="rect">
-            <a:avLst/>
-          </a:prstGeom>
-          <a:ln w="76200">
-            <a:solidFill>
-              <a:srgbClr val="FFFF00"/>
-            </a:solidFill>
-          </a:ln>
-        </p:spPr>
-        <p:txBody>
-          <a:bodyPr vert="horz" lIns="91440" tIns="45720" rIns="91440" bIns="45720" rtlCol="0" anchor="ctr">
+          <a:bodyPr vert="horz" lIns="91440" tIns="45720" rIns="91440" bIns="45720" rtlCol="0">
             <a:normAutofit/>
           </a:bodyPr>
           <a:lstStyle>
-            <a:lvl1pPr marL="182880" indent="-182880" algn="l" defTabSz="914400" rtl="0" eaLnBrk="1" latinLnBrk="0" hangingPunct="1">
+            <a:lvl1pPr marL="0" indent="0" algn="l" defTabSz="914400" rtl="0" eaLnBrk="1" latinLnBrk="0" hangingPunct="1">
               <a:spcBef>
                 <a:spcPct val="20000"/>
               </a:spcBef>
@@ -4039,17 +3831,20 @@
               </a:buClr>
               <a:buSzPct val="85000"/>
               <a:buFont typeface="Arial" pitchFamily="34" charset="0"/>
-              <a:buChar char="•"/>
+              <a:buNone/>
               <a:defRPr sz="2400" kern="1200">
                 <a:solidFill>
-                  <a:schemeClr val="tx1"/>
+                  <a:schemeClr val="tx1">
+                    <a:lumMod val="75000"/>
+                    <a:lumOff val="25000"/>
+                  </a:schemeClr>
                 </a:solidFill>
                 <a:latin typeface="+mn-lt"/>
                 <a:ea typeface="+mn-ea"/>
                 <a:cs typeface="+mn-cs"/>
               </a:defRPr>
             </a:lvl1pPr>
-            <a:lvl2pPr marL="457200" indent="-182880" algn="l" defTabSz="914400" rtl="0" eaLnBrk="1" latinLnBrk="0" hangingPunct="1">
+            <a:lvl2pPr marL="457200" indent="0" algn="ctr" defTabSz="914400" rtl="0" eaLnBrk="1" latinLnBrk="0" hangingPunct="1">
               <a:spcBef>
                 <a:spcPct val="20000"/>
               </a:spcBef>
@@ -4058,17 +3853,19 @@
               </a:buClr>
               <a:buSzPct val="85000"/>
               <a:buFont typeface="Arial" pitchFamily="34" charset="0"/>
-              <a:buChar char="•"/>
+              <a:buNone/>
               <a:defRPr sz="2000" kern="1200">
                 <a:solidFill>
-                  <a:schemeClr val="tx1"/>
+                  <a:schemeClr val="tx1">
+                    <a:tint val="75000"/>
+                  </a:schemeClr>
                 </a:solidFill>
                 <a:latin typeface="+mn-lt"/>
                 <a:ea typeface="+mn-ea"/>
                 <a:cs typeface="+mn-cs"/>
               </a:defRPr>
             </a:lvl2pPr>
-            <a:lvl3pPr marL="731520" indent="-182880" algn="l" defTabSz="914400" rtl="0" eaLnBrk="1" latinLnBrk="0" hangingPunct="1">
+            <a:lvl3pPr marL="914400" indent="0" algn="ctr" defTabSz="914400" rtl="0" eaLnBrk="1" latinLnBrk="0" hangingPunct="1">
               <a:spcBef>
                 <a:spcPct val="20000"/>
               </a:spcBef>
@@ -4077,17 +3874,19 @@
               </a:buClr>
               <a:buSzPct val="90000"/>
               <a:buFont typeface="Arial" pitchFamily="34" charset="0"/>
-              <a:buChar char="•"/>
+              <a:buNone/>
               <a:defRPr sz="1800" kern="1200">
                 <a:solidFill>
-                  <a:schemeClr val="tx1"/>
+                  <a:schemeClr val="tx1">
+                    <a:tint val="75000"/>
+                  </a:schemeClr>
                 </a:solidFill>
                 <a:latin typeface="+mn-lt"/>
                 <a:ea typeface="+mn-ea"/>
                 <a:cs typeface="+mn-cs"/>
               </a:defRPr>
             </a:lvl3pPr>
-            <a:lvl4pPr marL="1005840" indent="-182880" algn="l" defTabSz="914400" rtl="0" eaLnBrk="1" latinLnBrk="0" hangingPunct="1">
+            <a:lvl4pPr marL="1371600" indent="0" algn="ctr" defTabSz="914400" rtl="0" eaLnBrk="1" latinLnBrk="0" hangingPunct="1">
               <a:spcBef>
                 <a:spcPct val="20000"/>
               </a:spcBef>
@@ -4095,17 +3894,19 @@
                 <a:schemeClr val="accent1"/>
               </a:buClr>
               <a:buFont typeface="Arial" pitchFamily="34" charset="0"/>
-              <a:buChar char="•"/>
+              <a:buNone/>
               <a:defRPr sz="1600" kern="1200">
                 <a:solidFill>
-                  <a:schemeClr val="tx1"/>
+                  <a:schemeClr val="tx1">
+                    <a:tint val="75000"/>
+                  </a:schemeClr>
                 </a:solidFill>
                 <a:latin typeface="+mn-lt"/>
                 <a:ea typeface="+mn-ea"/>
                 <a:cs typeface="+mn-cs"/>
               </a:defRPr>
             </a:lvl4pPr>
-            <a:lvl5pPr marL="1188720" indent="-137160" algn="l" defTabSz="914400" rtl="0" eaLnBrk="1" latinLnBrk="0" hangingPunct="1">
+            <a:lvl5pPr marL="1828800" indent="0" algn="ctr" defTabSz="914400" rtl="0" eaLnBrk="1" latinLnBrk="0" hangingPunct="1">
               <a:spcBef>
                 <a:spcPct val="20000"/>
               </a:spcBef>
@@ -4114,17 +3915,19 @@
               </a:buClr>
               <a:buSzPct val="100000"/>
               <a:buFont typeface="Arial" pitchFamily="34" charset="0"/>
-              <a:buChar char="•"/>
+              <a:buNone/>
               <a:defRPr sz="1400" kern="1200" baseline="0">
                 <a:solidFill>
-                  <a:schemeClr val="tx1"/>
+                  <a:schemeClr val="tx1">
+                    <a:tint val="75000"/>
+                  </a:schemeClr>
                 </a:solidFill>
                 <a:latin typeface="+mn-lt"/>
                 <a:ea typeface="+mn-ea"/>
                 <a:cs typeface="+mn-cs"/>
               </a:defRPr>
             </a:lvl5pPr>
-            <a:lvl6pPr marL="1371600" indent="-182880" algn="l" defTabSz="914400" rtl="0" eaLnBrk="1" latinLnBrk="0" hangingPunct="1">
+            <a:lvl6pPr marL="2286000" indent="0" algn="ctr" defTabSz="914400" rtl="0" eaLnBrk="1" latinLnBrk="0" hangingPunct="1">
               <a:spcBef>
                 <a:spcPct val="20000"/>
               </a:spcBef>
@@ -4132,17 +3935,19 @@
                 <a:schemeClr val="accent1"/>
               </a:buClr>
               <a:buFont typeface="Arial" pitchFamily="34" charset="0"/>
-              <a:buChar char="•"/>
+              <a:buNone/>
               <a:defRPr sz="1300" kern="1200">
                 <a:solidFill>
-                  <a:schemeClr val="tx1"/>
+                  <a:schemeClr val="tx1">
+                    <a:tint val="75000"/>
+                  </a:schemeClr>
                 </a:solidFill>
                 <a:latin typeface="+mn-lt"/>
                 <a:ea typeface="+mn-ea"/>
                 <a:cs typeface="+mn-cs"/>
               </a:defRPr>
             </a:lvl6pPr>
-            <a:lvl7pPr marL="1554480" indent="-182880" algn="l" defTabSz="914400" rtl="0" eaLnBrk="1" latinLnBrk="0" hangingPunct="1">
+            <a:lvl7pPr marL="2743200" indent="0" algn="ctr" defTabSz="914400" rtl="0" eaLnBrk="1" latinLnBrk="0" hangingPunct="1">
               <a:spcBef>
                 <a:spcPct val="20000"/>
               </a:spcBef>
@@ -4150,17 +3955,19 @@
                 <a:schemeClr val="accent1"/>
               </a:buClr>
               <a:buFont typeface="Arial" pitchFamily="34" charset="0"/>
-              <a:buChar char="•"/>
+              <a:buNone/>
               <a:defRPr sz="1300" kern="1200">
                 <a:solidFill>
-                  <a:schemeClr val="tx1"/>
+                  <a:schemeClr val="tx1">
+                    <a:tint val="75000"/>
+                  </a:schemeClr>
                 </a:solidFill>
                 <a:latin typeface="+mn-lt"/>
                 <a:ea typeface="+mn-ea"/>
                 <a:cs typeface="+mn-cs"/>
               </a:defRPr>
             </a:lvl7pPr>
-            <a:lvl8pPr marL="1737360" indent="-182880" algn="l" defTabSz="914400" rtl="0" eaLnBrk="1" latinLnBrk="0" hangingPunct="1">
+            <a:lvl8pPr marL="3200400" indent="0" algn="ctr" defTabSz="914400" rtl="0" eaLnBrk="1" latinLnBrk="0" hangingPunct="1">
               <a:spcBef>
                 <a:spcPct val="20000"/>
               </a:spcBef>
@@ -4168,17 +3975,19 @@
                 <a:schemeClr val="accent1"/>
               </a:buClr>
               <a:buFont typeface="Arial" pitchFamily="34" charset="0"/>
-              <a:buChar char="•"/>
+              <a:buNone/>
               <a:defRPr sz="1300" kern="1200">
                 <a:solidFill>
-                  <a:schemeClr val="tx1"/>
+                  <a:schemeClr val="tx1">
+                    <a:tint val="75000"/>
+                  </a:schemeClr>
                 </a:solidFill>
                 <a:latin typeface="+mn-lt"/>
                 <a:ea typeface="+mn-ea"/>
                 <a:cs typeface="+mn-cs"/>
               </a:defRPr>
             </a:lvl8pPr>
-            <a:lvl9pPr marL="1920240" indent="-182880" algn="l" defTabSz="914400" rtl="0" eaLnBrk="1" latinLnBrk="0" hangingPunct="1">
+            <a:lvl9pPr marL="3657600" indent="0" algn="ctr" defTabSz="914400" rtl="0" eaLnBrk="1" latinLnBrk="0" hangingPunct="1">
               <a:spcBef>
                 <a:spcPct val="20000"/>
               </a:spcBef>
@@ -4186,10 +3995,12 @@
                 <a:schemeClr val="accent1"/>
               </a:buClr>
               <a:buFont typeface="Arial" pitchFamily="34" charset="0"/>
-              <a:buChar char="•"/>
+              <a:buNone/>
               <a:defRPr sz="1300" kern="1200">
                 <a:solidFill>
-                  <a:schemeClr val="tx1"/>
+                  <a:schemeClr val="tx1">
+                    <a:tint val="75000"/>
+                  </a:schemeClr>
                 </a:solidFill>
                 <a:latin typeface="+mn-lt"/>
                 <a:ea typeface="+mn-ea"/>
@@ -4198,14 +4009,222 @@
             </a:lvl9pPr>
           </a:lstStyle>
           <a:p>
-            <a:endParaRPr lang="en-US" sz="4800" dirty="0"/>
-          </a:p>
-        </p:txBody>
-      </p:sp>
+            <a:r>
+              <a:rPr lang="en-US" sz="2000" dirty="0"/>
+              <a:t>Robot </a:t>
+            </a:r>
+            <a:r>
+              <a:rPr lang="en-US" sz="2000" dirty="0" err="1"/>
+              <a:t>amb</a:t>
+            </a:r>
+            <a:r>
+              <a:rPr lang="en-US" sz="2000" dirty="0"/>
+              <a:t> </a:t>
+            </a:r>
+            <a:r>
+              <a:rPr lang="en-US" sz="2000" dirty="0" err="1"/>
+              <a:t>l’objectiu</a:t>
+            </a:r>
+            <a:r>
+              <a:rPr lang="en-US" sz="2000" dirty="0"/>
+              <a:t> de </a:t>
+            </a:r>
+            <a:r>
+              <a:rPr lang="en-US" sz="2000" dirty="0" err="1"/>
+              <a:t>localitzar</a:t>
+            </a:r>
+            <a:r>
+              <a:rPr lang="en-US" sz="2000" dirty="0"/>
+              <a:t> </a:t>
+            </a:r>
+            <a:r>
+              <a:rPr lang="en-US" sz="2000" dirty="0" err="1"/>
+              <a:t>persones</a:t>
+            </a:r>
+            <a:r>
+              <a:rPr lang="en-US" sz="2000" dirty="0"/>
+              <a:t> </a:t>
+            </a:r>
+            <a:r>
+              <a:rPr lang="en-US" sz="2000" dirty="0" err="1"/>
+              <a:t>en</a:t>
+            </a:r>
+            <a:r>
+              <a:rPr lang="en-US" sz="2000" dirty="0"/>
+              <a:t> </a:t>
+            </a:r>
+            <a:r>
+              <a:rPr lang="en-US" sz="2000" dirty="0" err="1"/>
+              <a:t>risc</a:t>
+            </a:r>
+            <a:r>
+              <a:rPr lang="en-US" sz="2000" dirty="0"/>
+              <a:t> a </a:t>
+            </a:r>
+            <a:r>
+              <a:rPr lang="en-US" sz="2000" dirty="0" err="1"/>
+              <a:t>terrenys</a:t>
+            </a:r>
+            <a:r>
+              <a:rPr lang="en-US" sz="2000" dirty="0"/>
+              <a:t> </a:t>
+            </a:r>
+            <a:r>
+              <a:rPr lang="en-US" sz="2000" dirty="0" err="1"/>
+              <a:t>hostils</a:t>
+            </a:r>
+            <a:r>
+              <a:rPr lang="en-US" sz="2000" dirty="0"/>
+              <a:t> per humans</a:t>
+            </a:r>
+          </a:p>
+        </p:txBody>
+      </p:sp>
+      <p:sp>
+        <p:nvSpPr>
+          <p:cNvPr id="9" name="Title 1"/>
+          <p:cNvSpPr txBox="1">
+            <a:spLocks/>
+          </p:cNvSpPr>
+          <p:nvPr/>
+        </p:nvSpPr>
+        <p:spPr>
+          <a:xfrm>
+            <a:off x="104192" y="6124050"/>
+            <a:ext cx="7504186" cy="733950"/>
+          </a:xfrm>
+          <a:prstGeom prst="rect">
+            <a:avLst/>
+          </a:prstGeom>
+        </p:spPr>
+        <p:txBody>
+          <a:bodyPr vert="horz" lIns="91440" tIns="45720" rIns="91440" bIns="45720" rtlCol="0" anchor="b">
+            <a:noAutofit/>
+          </a:bodyPr>
+          <a:lstStyle>
+            <a:lvl1pPr algn="l" defTabSz="914400" rtl="0" eaLnBrk="1" latinLnBrk="0" hangingPunct="1">
+              <a:spcBef>
+                <a:spcPct val="0"/>
+              </a:spcBef>
+              <a:buNone/>
+              <a:defRPr sz="5400" kern="1200" cap="all" spc="-100" baseline="0">
+                <a:solidFill>
+                  <a:schemeClr val="tx2"/>
+                </a:solidFill>
+                <a:latin typeface="+mj-lt"/>
+                <a:ea typeface="+mj-ea"/>
+                <a:cs typeface="+mj-cs"/>
+              </a:defRPr>
+            </a:lvl1pPr>
+          </a:lstStyle>
+          <a:p>
+            <a:r>
+              <a:rPr lang="en-US" sz="1000" dirty="0" err="1"/>
+              <a:t>Robòtica</a:t>
+            </a:r>
+            <a:r>
+              <a:rPr lang="en-US" sz="1000" dirty="0"/>
+              <a:t>, </a:t>
+            </a:r>
+            <a:r>
+              <a:rPr lang="en-US" sz="1000" dirty="0" err="1"/>
+              <a:t>llenguatge</a:t>
+            </a:r>
+            <a:r>
+              <a:rPr lang="en-US" sz="1000" dirty="0"/>
+              <a:t> I </a:t>
+            </a:r>
+            <a:r>
+              <a:rPr lang="en-US" sz="1000" dirty="0" err="1"/>
+              <a:t>planificació</a:t>
+            </a:r>
+            <a:r>
+              <a:rPr lang="en-US" sz="1000" dirty="0"/>
+              <a:t> </a:t>
+            </a:r>
+            <a:r>
+              <a:rPr lang="mr-IN" sz="1000" dirty="0"/>
+              <a:t>–</a:t>
+            </a:r>
+            <a:r>
+              <a:rPr lang="en-US" sz="1000" dirty="0"/>
+              <a:t> </a:t>
+            </a:r>
+            <a:r>
+              <a:rPr lang="en-US" sz="1000" dirty="0" err="1"/>
+              <a:t>Enginyeria</a:t>
+            </a:r>
+            <a:r>
+              <a:rPr lang="en-US" sz="1000" dirty="0"/>
+              <a:t> </a:t>
+            </a:r>
+            <a:r>
+              <a:rPr lang="en-US" sz="1000" dirty="0" err="1"/>
+              <a:t>informàtica</a:t>
+            </a:r>
+            <a:r>
+              <a:rPr lang="en-US" sz="1000" dirty="0"/>
+              <a:t> - </a:t>
+            </a:r>
+            <a:r>
+              <a:rPr lang="en-US" sz="1000" dirty="0" err="1"/>
+              <a:t>uab</a:t>
+            </a:r>
+            <a:endParaRPr lang="en-US" sz="1000" dirty="0"/>
+          </a:p>
+        </p:txBody>
+      </p:sp>
+      <p:pic>
+        <p:nvPicPr>
+          <p:cNvPr id="1030" name="Picture 6">
+            <a:extLst>
+              <a:ext uri="{FF2B5EF4-FFF2-40B4-BE49-F238E27FC236}">
+                <a16:creationId xmlns:a16="http://schemas.microsoft.com/office/drawing/2014/main" id="{056998FE-42FD-4138-B8C7-3B93698B099A}"/>
+              </a:ext>
+            </a:extLst>
+          </p:cNvPr>
+          <p:cNvPicPr>
+            <a:picLocks noChangeAspect="1" noChangeArrowheads="1"/>
+          </p:cNvPicPr>
+          <p:nvPr/>
+        </p:nvPicPr>
+        <p:blipFill>
+          <a:blip r:embed="rId3" cstate="email">
+            <a:extLst>
+              <a:ext uri="{28A0092B-C50C-407E-A947-70E740481C1C}">
+                <a14:useLocalDpi xmlns:a14="http://schemas.microsoft.com/office/drawing/2010/main" val="0"/>
+              </a:ext>
+            </a:extLst>
+          </a:blip>
+          <a:srcRect/>
+          <a:stretch>
+            <a:fillRect/>
+          </a:stretch>
+        </p:blipFill>
+        <p:spPr bwMode="auto">
+          <a:xfrm>
+            <a:off x="2663786" y="408930"/>
+            <a:ext cx="3480412" cy="2942006"/>
+          </a:xfrm>
+          <a:prstGeom prst="rect">
+            <a:avLst/>
+          </a:prstGeom>
+          <a:noFill/>
+          <a:extLst>
+            <a:ext uri="{909E8E84-426E-40DD-AFC4-6F175D3DCCD1}">
+              <a14:hiddenFill xmlns:a14="http://schemas.microsoft.com/office/drawing/2010/main">
+                <a:solidFill>
+                  <a:srgbClr val="FFFFFF"/>
+                </a:solidFill>
+              </a14:hiddenFill>
+            </a:ext>
+          </a:extLst>
+        </p:spPr>
+      </p:pic>
     </p:spTree>
     <p:extLst>
       <p:ext uri="{BB962C8B-B14F-4D97-AF65-F5344CB8AC3E}">
-        <p14:creationId xmlns:p14="http://schemas.microsoft.com/office/powerpoint/2010/main" val="792246651"/>
+        <p14:creationId xmlns:p14="http://schemas.microsoft.com/office/powerpoint/2010/main" val="1361213509"/>
       </p:ext>
     </p:extLst>
   </p:cSld>
@@ -4239,819 +4258,6 @@
             <a:spLocks noGrp="1"/>
           </p:cNvSpPr>
           <p:nvPr>
-            <p:ph type="ctrTitle"/>
-          </p:nvPr>
-        </p:nvSpPr>
-        <p:spPr>
-          <a:xfrm>
-            <a:off x="547577" y="3054169"/>
-            <a:ext cx="7848600" cy="1927225"/>
-          </a:xfrm>
-        </p:spPr>
-        <p:txBody>
-          <a:bodyPr/>
-          <a:lstStyle/>
-          <a:p>
-            <a:r>
-              <a:rPr lang="en-US" dirty="0"/>
-              <a:t>LUCI</a:t>
-            </a:r>
-          </a:p>
-        </p:txBody>
-      </p:sp>
-      <p:sp>
-        <p:nvSpPr>
-          <p:cNvPr id="3" name="Subtitle 2"/>
-          <p:cNvSpPr>
-            <a:spLocks noGrp="1"/>
-          </p:cNvSpPr>
-          <p:nvPr>
-            <p:ph type="subTitle" idx="1"/>
-          </p:nvPr>
-        </p:nvSpPr>
-        <p:spPr>
-          <a:xfrm>
-            <a:off x="547577" y="4853519"/>
-            <a:ext cx="3516019" cy="1752600"/>
-          </a:xfrm>
-        </p:spPr>
-        <p:txBody>
-          <a:bodyPr>
-            <a:noAutofit/>
-          </a:bodyPr>
-          <a:lstStyle/>
-          <a:p>
-            <a:r>
-              <a:rPr lang="en-US" sz="1400" dirty="0"/>
-              <a:t>Martí Caixal </a:t>
-            </a:r>
-            <a:r>
-              <a:rPr lang="en-US" sz="1400" dirty="0" err="1"/>
-              <a:t>i</a:t>
-            </a:r>
-            <a:r>
-              <a:rPr lang="en-US" sz="1400" dirty="0"/>
-              <a:t> </a:t>
-            </a:r>
-            <a:r>
-              <a:rPr lang="en-US" sz="1400" dirty="0" err="1"/>
-              <a:t>Joaquinet</a:t>
-            </a:r>
-            <a:endParaRPr lang="en-US" sz="1400" dirty="0"/>
-          </a:p>
-          <a:p>
-            <a:r>
-              <a:rPr lang="en-US" sz="1400" dirty="0" err="1"/>
-              <a:t>Hernán</a:t>
-            </a:r>
-            <a:r>
-              <a:rPr lang="en-US" sz="1400" dirty="0"/>
-              <a:t> </a:t>
-            </a:r>
-            <a:r>
-              <a:rPr lang="en-US" sz="1400" dirty="0" err="1"/>
-              <a:t>Capilla</a:t>
-            </a:r>
-            <a:r>
-              <a:rPr lang="en-US" sz="1400" dirty="0"/>
-              <a:t> </a:t>
-            </a:r>
-            <a:r>
-              <a:rPr lang="en-US" sz="1400" dirty="0" err="1"/>
-              <a:t>Urbano</a:t>
-            </a:r>
-            <a:r>
-              <a:rPr lang="en-US" sz="1400" dirty="0"/>
-              <a:t> </a:t>
-            </a:r>
-          </a:p>
-          <a:p>
-            <a:r>
-              <a:rPr lang="en-US" sz="1400" dirty="0"/>
-              <a:t>Marc </a:t>
-            </a:r>
-            <a:r>
-              <a:rPr lang="en-US" sz="1400" dirty="0" err="1"/>
-              <a:t>Garrofé</a:t>
-            </a:r>
-            <a:r>
-              <a:rPr lang="en-US" sz="1400" dirty="0"/>
-              <a:t> Urrutia</a:t>
-            </a:r>
-          </a:p>
-          <a:p>
-            <a:r>
-              <a:rPr lang="en-US" sz="1400" dirty="0"/>
-              <a:t>Ricard Lopez Olivares</a:t>
-            </a:r>
-          </a:p>
-          <a:p>
-            <a:r>
-              <a:rPr lang="en-US" sz="1400" dirty="0"/>
-              <a:t>Bruno Moya </a:t>
-            </a:r>
-            <a:r>
-              <a:rPr lang="en-US" sz="1400" dirty="0" err="1"/>
-              <a:t>Ruíz</a:t>
-            </a:r>
-            <a:endParaRPr lang="en-US" sz="1400" dirty="0"/>
-          </a:p>
-        </p:txBody>
-      </p:sp>
-      <p:pic>
-        <p:nvPicPr>
-          <p:cNvPr id="4" name="Picture 3"/>
-          <p:cNvPicPr>
-            <a:picLocks noChangeAspect="1"/>
-          </p:cNvPicPr>
-          <p:nvPr/>
-        </p:nvPicPr>
-        <p:blipFill>
-          <a:blip r:embed="rId2"/>
-          <a:stretch>
-            <a:fillRect/>
-          </a:stretch>
-        </p:blipFill>
-        <p:spPr>
-          <a:xfrm>
-            <a:off x="5871302" y="6124050"/>
-            <a:ext cx="3007964" cy="540864"/>
-          </a:xfrm>
-          <a:prstGeom prst="rect">
-            <a:avLst/>
-          </a:prstGeom>
-        </p:spPr>
-      </p:pic>
-      <p:pic>
-        <p:nvPicPr>
-          <p:cNvPr id="5" name="Picture 4"/>
-          <p:cNvPicPr>
-            <a:picLocks noChangeAspect="1"/>
-          </p:cNvPicPr>
-          <p:nvPr/>
-        </p:nvPicPr>
-        <p:blipFill>
-          <a:blip r:embed="rId3"/>
-          <a:stretch>
-            <a:fillRect/>
-          </a:stretch>
-        </p:blipFill>
-        <p:spPr>
-          <a:xfrm>
-            <a:off x="2595885" y="370116"/>
-            <a:ext cx="3621982" cy="3621982"/>
-          </a:xfrm>
-          <a:prstGeom prst="rect">
-            <a:avLst/>
-          </a:prstGeom>
-        </p:spPr>
-      </p:pic>
-      <p:sp>
-        <p:nvSpPr>
-          <p:cNvPr id="7" name="Subtitle 2"/>
-          <p:cNvSpPr txBox="1">
-            <a:spLocks/>
-          </p:cNvSpPr>
-          <p:nvPr/>
-        </p:nvSpPr>
-        <p:spPr>
-          <a:xfrm>
-            <a:off x="3051671" y="3524007"/>
-            <a:ext cx="2710409" cy="468091"/>
-          </a:xfrm>
-          <a:prstGeom prst="rect">
-            <a:avLst/>
-          </a:prstGeom>
-        </p:spPr>
-        <p:txBody>
-          <a:bodyPr vert="horz" lIns="91440" tIns="45720" rIns="91440" bIns="45720" rtlCol="0">
-            <a:normAutofit fontScale="77500" lnSpcReduction="20000"/>
-          </a:bodyPr>
-          <a:lstStyle>
-            <a:lvl1pPr marL="0" indent="0" algn="l" defTabSz="914400" rtl="0" eaLnBrk="1" latinLnBrk="0" hangingPunct="1">
-              <a:spcBef>
-                <a:spcPct val="20000"/>
-              </a:spcBef>
-              <a:buClr>
-                <a:schemeClr val="accent1"/>
-              </a:buClr>
-              <a:buSzPct val="85000"/>
-              <a:buFont typeface="Arial" pitchFamily="34" charset="0"/>
-              <a:buNone/>
-              <a:defRPr sz="2400" kern="1200">
-                <a:solidFill>
-                  <a:schemeClr val="tx1">
-                    <a:lumMod val="75000"/>
-                    <a:lumOff val="25000"/>
-                  </a:schemeClr>
-                </a:solidFill>
-                <a:latin typeface="+mn-lt"/>
-                <a:ea typeface="+mn-ea"/>
-                <a:cs typeface="+mn-cs"/>
-              </a:defRPr>
-            </a:lvl1pPr>
-            <a:lvl2pPr marL="457200" indent="0" algn="ctr" defTabSz="914400" rtl="0" eaLnBrk="1" latinLnBrk="0" hangingPunct="1">
-              <a:spcBef>
-                <a:spcPct val="20000"/>
-              </a:spcBef>
-              <a:buClr>
-                <a:schemeClr val="accent1"/>
-              </a:buClr>
-              <a:buSzPct val="85000"/>
-              <a:buFont typeface="Arial" pitchFamily="34" charset="0"/>
-              <a:buNone/>
-              <a:defRPr sz="2000" kern="1200">
-                <a:solidFill>
-                  <a:schemeClr val="tx1">
-                    <a:tint val="75000"/>
-                  </a:schemeClr>
-                </a:solidFill>
-                <a:latin typeface="+mn-lt"/>
-                <a:ea typeface="+mn-ea"/>
-                <a:cs typeface="+mn-cs"/>
-              </a:defRPr>
-            </a:lvl2pPr>
-            <a:lvl3pPr marL="914400" indent="0" algn="ctr" defTabSz="914400" rtl="0" eaLnBrk="1" latinLnBrk="0" hangingPunct="1">
-              <a:spcBef>
-                <a:spcPct val="20000"/>
-              </a:spcBef>
-              <a:buClr>
-                <a:schemeClr val="accent1"/>
-              </a:buClr>
-              <a:buSzPct val="90000"/>
-              <a:buFont typeface="Arial" pitchFamily="34" charset="0"/>
-              <a:buNone/>
-              <a:defRPr sz="1800" kern="1200">
-                <a:solidFill>
-                  <a:schemeClr val="tx1">
-                    <a:tint val="75000"/>
-                  </a:schemeClr>
-                </a:solidFill>
-                <a:latin typeface="+mn-lt"/>
-                <a:ea typeface="+mn-ea"/>
-                <a:cs typeface="+mn-cs"/>
-              </a:defRPr>
-            </a:lvl3pPr>
-            <a:lvl4pPr marL="1371600" indent="0" algn="ctr" defTabSz="914400" rtl="0" eaLnBrk="1" latinLnBrk="0" hangingPunct="1">
-              <a:spcBef>
-                <a:spcPct val="20000"/>
-              </a:spcBef>
-              <a:buClr>
-                <a:schemeClr val="accent1"/>
-              </a:buClr>
-              <a:buFont typeface="Arial" pitchFamily="34" charset="0"/>
-              <a:buNone/>
-              <a:defRPr sz="1600" kern="1200">
-                <a:solidFill>
-                  <a:schemeClr val="tx1">
-                    <a:tint val="75000"/>
-                  </a:schemeClr>
-                </a:solidFill>
-                <a:latin typeface="+mn-lt"/>
-                <a:ea typeface="+mn-ea"/>
-                <a:cs typeface="+mn-cs"/>
-              </a:defRPr>
-            </a:lvl4pPr>
-            <a:lvl5pPr marL="1828800" indent="0" algn="ctr" defTabSz="914400" rtl="0" eaLnBrk="1" latinLnBrk="0" hangingPunct="1">
-              <a:spcBef>
-                <a:spcPct val="20000"/>
-              </a:spcBef>
-              <a:buClr>
-                <a:schemeClr val="accent1"/>
-              </a:buClr>
-              <a:buSzPct val="100000"/>
-              <a:buFont typeface="Arial" pitchFamily="34" charset="0"/>
-              <a:buNone/>
-              <a:defRPr sz="1400" kern="1200" baseline="0">
-                <a:solidFill>
-                  <a:schemeClr val="tx1">
-                    <a:tint val="75000"/>
-                  </a:schemeClr>
-                </a:solidFill>
-                <a:latin typeface="+mn-lt"/>
-                <a:ea typeface="+mn-ea"/>
-                <a:cs typeface="+mn-cs"/>
-              </a:defRPr>
-            </a:lvl5pPr>
-            <a:lvl6pPr marL="2286000" indent="0" algn="ctr" defTabSz="914400" rtl="0" eaLnBrk="1" latinLnBrk="0" hangingPunct="1">
-              <a:spcBef>
-                <a:spcPct val="20000"/>
-              </a:spcBef>
-              <a:buClr>
-                <a:schemeClr val="accent1"/>
-              </a:buClr>
-              <a:buFont typeface="Arial" pitchFamily="34" charset="0"/>
-              <a:buNone/>
-              <a:defRPr sz="1300" kern="1200">
-                <a:solidFill>
-                  <a:schemeClr val="tx1">
-                    <a:tint val="75000"/>
-                  </a:schemeClr>
-                </a:solidFill>
-                <a:latin typeface="+mn-lt"/>
-                <a:ea typeface="+mn-ea"/>
-                <a:cs typeface="+mn-cs"/>
-              </a:defRPr>
-            </a:lvl6pPr>
-            <a:lvl7pPr marL="2743200" indent="0" algn="ctr" defTabSz="914400" rtl="0" eaLnBrk="1" latinLnBrk="0" hangingPunct="1">
-              <a:spcBef>
-                <a:spcPct val="20000"/>
-              </a:spcBef>
-              <a:buClr>
-                <a:schemeClr val="accent1"/>
-              </a:buClr>
-              <a:buFont typeface="Arial" pitchFamily="34" charset="0"/>
-              <a:buNone/>
-              <a:defRPr sz="1300" kern="1200">
-                <a:solidFill>
-                  <a:schemeClr val="tx1">
-                    <a:tint val="75000"/>
-                  </a:schemeClr>
-                </a:solidFill>
-                <a:latin typeface="+mn-lt"/>
-                <a:ea typeface="+mn-ea"/>
-                <a:cs typeface="+mn-cs"/>
-              </a:defRPr>
-            </a:lvl7pPr>
-            <a:lvl8pPr marL="3200400" indent="0" algn="ctr" defTabSz="914400" rtl="0" eaLnBrk="1" latinLnBrk="0" hangingPunct="1">
-              <a:spcBef>
-                <a:spcPct val="20000"/>
-              </a:spcBef>
-              <a:buClr>
-                <a:schemeClr val="accent1"/>
-              </a:buClr>
-              <a:buFont typeface="Arial" pitchFamily="34" charset="0"/>
-              <a:buNone/>
-              <a:defRPr sz="1300" kern="1200">
-                <a:solidFill>
-                  <a:schemeClr val="tx1">
-                    <a:tint val="75000"/>
-                  </a:schemeClr>
-                </a:solidFill>
-                <a:latin typeface="+mn-lt"/>
-                <a:ea typeface="+mn-ea"/>
-                <a:cs typeface="+mn-cs"/>
-              </a:defRPr>
-            </a:lvl8pPr>
-            <a:lvl9pPr marL="3657600" indent="0" algn="ctr" defTabSz="914400" rtl="0" eaLnBrk="1" latinLnBrk="0" hangingPunct="1">
-              <a:spcBef>
-                <a:spcPct val="20000"/>
-              </a:spcBef>
-              <a:buClr>
-                <a:schemeClr val="accent1"/>
-              </a:buClr>
-              <a:buFont typeface="Arial" pitchFamily="34" charset="0"/>
-              <a:buNone/>
-              <a:defRPr sz="1300" kern="1200">
-                <a:solidFill>
-                  <a:schemeClr val="tx1">
-                    <a:tint val="75000"/>
-                  </a:schemeClr>
-                </a:solidFill>
-                <a:latin typeface="+mn-lt"/>
-                <a:ea typeface="+mn-ea"/>
-                <a:cs typeface="+mn-cs"/>
-              </a:defRPr>
-            </a:lvl9pPr>
-          </a:lstStyle>
-          <a:p>
-            <a:r>
-              <a:rPr lang="en-US" sz="1800" dirty="0"/>
-              <a:t>#</a:t>
-            </a:r>
-            <a:r>
-              <a:rPr lang="en-US" sz="1800" dirty="0" err="1"/>
-              <a:t>Aquí</a:t>
-            </a:r>
-            <a:r>
-              <a:rPr lang="en-US" sz="1800" dirty="0"/>
-              <a:t> </a:t>
-            </a:r>
-            <a:r>
-              <a:rPr lang="en-US" sz="1800" dirty="0" err="1"/>
-              <a:t>foto</a:t>
-            </a:r>
-            <a:r>
-              <a:rPr lang="en-US" sz="1800" dirty="0"/>
-              <a:t> IL·LUSTRATIVA DEL  VOSTRE DISENY del robot</a:t>
-            </a:r>
-          </a:p>
-          <a:p>
-            <a:endParaRPr lang="en-US" sz="1800" dirty="0"/>
-          </a:p>
-        </p:txBody>
-      </p:sp>
-      <p:sp>
-        <p:nvSpPr>
-          <p:cNvPr id="8" name="Subtitle 2"/>
-          <p:cNvSpPr txBox="1">
-            <a:spLocks/>
-          </p:cNvSpPr>
-          <p:nvPr/>
-        </p:nvSpPr>
-        <p:spPr>
-          <a:xfrm>
-            <a:off x="3556741" y="4981394"/>
-            <a:ext cx="4629122" cy="1752600"/>
-          </a:xfrm>
-          <a:prstGeom prst="rect">
-            <a:avLst/>
-          </a:prstGeom>
-        </p:spPr>
-        <p:txBody>
-          <a:bodyPr vert="horz" lIns="91440" tIns="45720" rIns="91440" bIns="45720" rtlCol="0">
-            <a:normAutofit/>
-          </a:bodyPr>
-          <a:lstStyle>
-            <a:lvl1pPr marL="0" indent="0" algn="l" defTabSz="914400" rtl="0" eaLnBrk="1" latinLnBrk="0" hangingPunct="1">
-              <a:spcBef>
-                <a:spcPct val="20000"/>
-              </a:spcBef>
-              <a:buClr>
-                <a:schemeClr val="accent1"/>
-              </a:buClr>
-              <a:buSzPct val="85000"/>
-              <a:buFont typeface="Arial" pitchFamily="34" charset="0"/>
-              <a:buNone/>
-              <a:defRPr sz="2400" kern="1200">
-                <a:solidFill>
-                  <a:schemeClr val="tx1">
-                    <a:lumMod val="75000"/>
-                    <a:lumOff val="25000"/>
-                  </a:schemeClr>
-                </a:solidFill>
-                <a:latin typeface="+mn-lt"/>
-                <a:ea typeface="+mn-ea"/>
-                <a:cs typeface="+mn-cs"/>
-              </a:defRPr>
-            </a:lvl1pPr>
-            <a:lvl2pPr marL="457200" indent="0" algn="ctr" defTabSz="914400" rtl="0" eaLnBrk="1" latinLnBrk="0" hangingPunct="1">
-              <a:spcBef>
-                <a:spcPct val="20000"/>
-              </a:spcBef>
-              <a:buClr>
-                <a:schemeClr val="accent1"/>
-              </a:buClr>
-              <a:buSzPct val="85000"/>
-              <a:buFont typeface="Arial" pitchFamily="34" charset="0"/>
-              <a:buNone/>
-              <a:defRPr sz="2000" kern="1200">
-                <a:solidFill>
-                  <a:schemeClr val="tx1">
-                    <a:tint val="75000"/>
-                  </a:schemeClr>
-                </a:solidFill>
-                <a:latin typeface="+mn-lt"/>
-                <a:ea typeface="+mn-ea"/>
-                <a:cs typeface="+mn-cs"/>
-              </a:defRPr>
-            </a:lvl2pPr>
-            <a:lvl3pPr marL="914400" indent="0" algn="ctr" defTabSz="914400" rtl="0" eaLnBrk="1" latinLnBrk="0" hangingPunct="1">
-              <a:spcBef>
-                <a:spcPct val="20000"/>
-              </a:spcBef>
-              <a:buClr>
-                <a:schemeClr val="accent1"/>
-              </a:buClr>
-              <a:buSzPct val="90000"/>
-              <a:buFont typeface="Arial" pitchFamily="34" charset="0"/>
-              <a:buNone/>
-              <a:defRPr sz="1800" kern="1200">
-                <a:solidFill>
-                  <a:schemeClr val="tx1">
-                    <a:tint val="75000"/>
-                  </a:schemeClr>
-                </a:solidFill>
-                <a:latin typeface="+mn-lt"/>
-                <a:ea typeface="+mn-ea"/>
-                <a:cs typeface="+mn-cs"/>
-              </a:defRPr>
-            </a:lvl3pPr>
-            <a:lvl4pPr marL="1371600" indent="0" algn="ctr" defTabSz="914400" rtl="0" eaLnBrk="1" latinLnBrk="0" hangingPunct="1">
-              <a:spcBef>
-                <a:spcPct val="20000"/>
-              </a:spcBef>
-              <a:buClr>
-                <a:schemeClr val="accent1"/>
-              </a:buClr>
-              <a:buFont typeface="Arial" pitchFamily="34" charset="0"/>
-              <a:buNone/>
-              <a:defRPr sz="1600" kern="1200">
-                <a:solidFill>
-                  <a:schemeClr val="tx1">
-                    <a:tint val="75000"/>
-                  </a:schemeClr>
-                </a:solidFill>
-                <a:latin typeface="+mn-lt"/>
-                <a:ea typeface="+mn-ea"/>
-                <a:cs typeface="+mn-cs"/>
-              </a:defRPr>
-            </a:lvl4pPr>
-            <a:lvl5pPr marL="1828800" indent="0" algn="ctr" defTabSz="914400" rtl="0" eaLnBrk="1" latinLnBrk="0" hangingPunct="1">
-              <a:spcBef>
-                <a:spcPct val="20000"/>
-              </a:spcBef>
-              <a:buClr>
-                <a:schemeClr val="accent1"/>
-              </a:buClr>
-              <a:buSzPct val="100000"/>
-              <a:buFont typeface="Arial" pitchFamily="34" charset="0"/>
-              <a:buNone/>
-              <a:defRPr sz="1400" kern="1200" baseline="0">
-                <a:solidFill>
-                  <a:schemeClr val="tx1">
-                    <a:tint val="75000"/>
-                  </a:schemeClr>
-                </a:solidFill>
-                <a:latin typeface="+mn-lt"/>
-                <a:ea typeface="+mn-ea"/>
-                <a:cs typeface="+mn-cs"/>
-              </a:defRPr>
-            </a:lvl5pPr>
-            <a:lvl6pPr marL="2286000" indent="0" algn="ctr" defTabSz="914400" rtl="0" eaLnBrk="1" latinLnBrk="0" hangingPunct="1">
-              <a:spcBef>
-                <a:spcPct val="20000"/>
-              </a:spcBef>
-              <a:buClr>
-                <a:schemeClr val="accent1"/>
-              </a:buClr>
-              <a:buFont typeface="Arial" pitchFamily="34" charset="0"/>
-              <a:buNone/>
-              <a:defRPr sz="1300" kern="1200">
-                <a:solidFill>
-                  <a:schemeClr val="tx1">
-                    <a:tint val="75000"/>
-                  </a:schemeClr>
-                </a:solidFill>
-                <a:latin typeface="+mn-lt"/>
-                <a:ea typeface="+mn-ea"/>
-                <a:cs typeface="+mn-cs"/>
-              </a:defRPr>
-            </a:lvl6pPr>
-            <a:lvl7pPr marL="2743200" indent="0" algn="ctr" defTabSz="914400" rtl="0" eaLnBrk="1" latinLnBrk="0" hangingPunct="1">
-              <a:spcBef>
-                <a:spcPct val="20000"/>
-              </a:spcBef>
-              <a:buClr>
-                <a:schemeClr val="accent1"/>
-              </a:buClr>
-              <a:buFont typeface="Arial" pitchFamily="34" charset="0"/>
-              <a:buNone/>
-              <a:defRPr sz="1300" kern="1200">
-                <a:solidFill>
-                  <a:schemeClr val="tx1">
-                    <a:tint val="75000"/>
-                  </a:schemeClr>
-                </a:solidFill>
-                <a:latin typeface="+mn-lt"/>
-                <a:ea typeface="+mn-ea"/>
-                <a:cs typeface="+mn-cs"/>
-              </a:defRPr>
-            </a:lvl7pPr>
-            <a:lvl8pPr marL="3200400" indent="0" algn="ctr" defTabSz="914400" rtl="0" eaLnBrk="1" latinLnBrk="0" hangingPunct="1">
-              <a:spcBef>
-                <a:spcPct val="20000"/>
-              </a:spcBef>
-              <a:buClr>
-                <a:schemeClr val="accent1"/>
-              </a:buClr>
-              <a:buFont typeface="Arial" pitchFamily="34" charset="0"/>
-              <a:buNone/>
-              <a:defRPr sz="1300" kern="1200">
-                <a:solidFill>
-                  <a:schemeClr val="tx1">
-                    <a:tint val="75000"/>
-                  </a:schemeClr>
-                </a:solidFill>
-                <a:latin typeface="+mn-lt"/>
-                <a:ea typeface="+mn-ea"/>
-                <a:cs typeface="+mn-cs"/>
-              </a:defRPr>
-            </a:lvl8pPr>
-            <a:lvl9pPr marL="3657600" indent="0" algn="ctr" defTabSz="914400" rtl="0" eaLnBrk="1" latinLnBrk="0" hangingPunct="1">
-              <a:spcBef>
-                <a:spcPct val="20000"/>
-              </a:spcBef>
-              <a:buClr>
-                <a:schemeClr val="accent1"/>
-              </a:buClr>
-              <a:buFont typeface="Arial" pitchFamily="34" charset="0"/>
-              <a:buNone/>
-              <a:defRPr sz="1300" kern="1200">
-                <a:solidFill>
-                  <a:schemeClr val="tx1">
-                    <a:tint val="75000"/>
-                  </a:schemeClr>
-                </a:solidFill>
-                <a:latin typeface="+mn-lt"/>
-                <a:ea typeface="+mn-ea"/>
-                <a:cs typeface="+mn-cs"/>
-              </a:defRPr>
-            </a:lvl9pPr>
-          </a:lstStyle>
-          <a:p>
-            <a:r>
-              <a:rPr lang="en-US" sz="2000" dirty="0"/>
-              <a:t>Robot </a:t>
-            </a:r>
-            <a:r>
-              <a:rPr lang="en-US" sz="2000" dirty="0" err="1"/>
-              <a:t>amb</a:t>
-            </a:r>
-            <a:r>
-              <a:rPr lang="en-US" sz="2000" dirty="0"/>
-              <a:t> </a:t>
-            </a:r>
-            <a:r>
-              <a:rPr lang="en-US" sz="2000" dirty="0" err="1"/>
-              <a:t>l’objectiu</a:t>
-            </a:r>
-            <a:r>
-              <a:rPr lang="en-US" sz="2000" dirty="0"/>
-              <a:t> de </a:t>
-            </a:r>
-            <a:r>
-              <a:rPr lang="en-US" sz="2000" dirty="0" err="1"/>
-              <a:t>localitzar</a:t>
-            </a:r>
-            <a:r>
-              <a:rPr lang="en-US" sz="2000" dirty="0"/>
-              <a:t> </a:t>
-            </a:r>
-            <a:r>
-              <a:rPr lang="en-US" sz="2000" dirty="0" err="1"/>
-              <a:t>persones</a:t>
-            </a:r>
-            <a:r>
-              <a:rPr lang="en-US" sz="2000" dirty="0"/>
-              <a:t> </a:t>
-            </a:r>
-            <a:r>
-              <a:rPr lang="en-US" sz="2000" dirty="0" err="1"/>
-              <a:t>en</a:t>
-            </a:r>
-            <a:r>
-              <a:rPr lang="en-US" sz="2000" dirty="0"/>
-              <a:t> </a:t>
-            </a:r>
-            <a:r>
-              <a:rPr lang="en-US" sz="2000" dirty="0" err="1"/>
-              <a:t>risc</a:t>
-            </a:r>
-            <a:r>
-              <a:rPr lang="en-US" sz="2000" dirty="0"/>
-              <a:t> a </a:t>
-            </a:r>
-            <a:r>
-              <a:rPr lang="en-US" sz="2000" dirty="0" err="1"/>
-              <a:t>terrenys</a:t>
-            </a:r>
-            <a:r>
-              <a:rPr lang="en-US" sz="2000" dirty="0"/>
-              <a:t> </a:t>
-            </a:r>
-            <a:r>
-              <a:rPr lang="en-US" sz="2000" dirty="0" err="1"/>
-              <a:t>hostils</a:t>
-            </a:r>
-            <a:r>
-              <a:rPr lang="en-US" sz="2000" dirty="0"/>
-              <a:t> per humans</a:t>
-            </a:r>
-          </a:p>
-        </p:txBody>
-      </p:sp>
-      <p:sp>
-        <p:nvSpPr>
-          <p:cNvPr id="9" name="Title 1"/>
-          <p:cNvSpPr txBox="1">
-            <a:spLocks/>
-          </p:cNvSpPr>
-          <p:nvPr/>
-        </p:nvSpPr>
-        <p:spPr>
-          <a:xfrm>
-            <a:off x="104192" y="6124050"/>
-            <a:ext cx="7504186" cy="733950"/>
-          </a:xfrm>
-          <a:prstGeom prst="rect">
-            <a:avLst/>
-          </a:prstGeom>
-        </p:spPr>
-        <p:txBody>
-          <a:bodyPr vert="horz" lIns="91440" tIns="45720" rIns="91440" bIns="45720" rtlCol="0" anchor="b">
-            <a:noAutofit/>
-          </a:bodyPr>
-          <a:lstStyle>
-            <a:lvl1pPr algn="l" defTabSz="914400" rtl="0" eaLnBrk="1" latinLnBrk="0" hangingPunct="1">
-              <a:spcBef>
-                <a:spcPct val="0"/>
-              </a:spcBef>
-              <a:buNone/>
-              <a:defRPr sz="5400" kern="1200" cap="all" spc="-100" baseline="0">
-                <a:solidFill>
-                  <a:schemeClr val="tx2"/>
-                </a:solidFill>
-                <a:latin typeface="+mj-lt"/>
-                <a:ea typeface="+mj-ea"/>
-                <a:cs typeface="+mj-cs"/>
-              </a:defRPr>
-            </a:lvl1pPr>
-          </a:lstStyle>
-          <a:p>
-            <a:r>
-              <a:rPr lang="en-US" sz="1000" dirty="0" err="1"/>
-              <a:t>Robòtica</a:t>
-            </a:r>
-            <a:r>
-              <a:rPr lang="en-US" sz="1000" dirty="0"/>
-              <a:t>, </a:t>
-            </a:r>
-            <a:r>
-              <a:rPr lang="en-US" sz="1000" dirty="0" err="1"/>
-              <a:t>llenguatge</a:t>
-            </a:r>
-            <a:r>
-              <a:rPr lang="en-US" sz="1000" dirty="0"/>
-              <a:t> I </a:t>
-            </a:r>
-            <a:r>
-              <a:rPr lang="en-US" sz="1000" dirty="0" err="1"/>
-              <a:t>planificació</a:t>
-            </a:r>
-            <a:r>
-              <a:rPr lang="en-US" sz="1000" dirty="0"/>
-              <a:t> </a:t>
-            </a:r>
-            <a:r>
-              <a:rPr lang="mr-IN" sz="1000" dirty="0"/>
-              <a:t>–</a:t>
-            </a:r>
-            <a:r>
-              <a:rPr lang="en-US" sz="1000" dirty="0"/>
-              <a:t> </a:t>
-            </a:r>
-            <a:r>
-              <a:rPr lang="en-US" sz="1000" dirty="0" err="1"/>
-              <a:t>Enginyeria</a:t>
-            </a:r>
-            <a:r>
-              <a:rPr lang="en-US" sz="1000" dirty="0"/>
-              <a:t> </a:t>
-            </a:r>
-            <a:r>
-              <a:rPr lang="en-US" sz="1000" dirty="0" err="1"/>
-              <a:t>informàtica</a:t>
-            </a:r>
-            <a:r>
-              <a:rPr lang="en-US" sz="1000" dirty="0"/>
-              <a:t> - </a:t>
-            </a:r>
-            <a:r>
-              <a:rPr lang="en-US" sz="1000" dirty="0" err="1"/>
-              <a:t>uab</a:t>
-            </a:r>
-            <a:endParaRPr lang="en-US" sz="1000" dirty="0"/>
-          </a:p>
-        </p:txBody>
-      </p:sp>
-    </p:spTree>
-    <p:extLst>
-      <p:ext uri="{BB962C8B-B14F-4D97-AF65-F5344CB8AC3E}">
-        <p14:creationId xmlns:p14="http://schemas.microsoft.com/office/powerpoint/2010/main" val="1361213509"/>
-      </p:ext>
-    </p:extLst>
-  </p:cSld>
-  <p:clrMapOvr>
-    <a:masterClrMapping/>
-  </p:clrMapOvr>
-</p:sld>
-</file>
-
-<file path=ppt/slides/slide3.xml><?xml version="1.0" encoding="utf-8"?>
-<p:sld xmlns:a="http://schemas.openxmlformats.org/drawingml/2006/main" xmlns:r="http://schemas.openxmlformats.org/officeDocument/2006/relationships" xmlns:p="http://schemas.openxmlformats.org/presentationml/2006/main">
-  <p:cSld>
-    <p:spTree>
-      <p:nvGrpSpPr>
-        <p:cNvPr id="1" name=""/>
-        <p:cNvGrpSpPr/>
-        <p:nvPr/>
-      </p:nvGrpSpPr>
-      <p:grpSpPr>
-        <a:xfrm>
-          <a:off x="0" y="0"/>
-          <a:ext cx="0" cy="0"/>
-          <a:chOff x="0" y="0"/>
-          <a:chExt cx="0" cy="0"/>
-        </a:xfrm>
-      </p:grpSpPr>
-      <p:sp>
-        <p:nvSpPr>
-          <p:cNvPr id="2" name="Title 1"/>
-          <p:cNvSpPr>
-            <a:spLocks noGrp="1"/>
-          </p:cNvSpPr>
-          <p:nvPr>
             <p:ph type="title"/>
           </p:nvPr>
         </p:nvSpPr>
@@ -5310,7 +4516,7 @@
         </p:blipFill>
         <p:spPr>
           <a:xfrm>
-            <a:off x="0" y="2773607"/>
+            <a:off x="0" y="2870137"/>
             <a:ext cx="5433614" cy="3987863"/>
           </a:xfrm>
           <a:prstGeom prst="rect">
@@ -5346,8 +4552,8 @@
         </p:blipFill>
         <p:spPr>
           <a:xfrm>
-            <a:off x="4346787" y="782674"/>
-            <a:ext cx="4797213" cy="2784097"/>
+            <a:off x="3810001" y="471146"/>
+            <a:ext cx="5334000" cy="3095625"/>
           </a:xfrm>
           <a:prstGeom prst="rect">
             <a:avLst/>
@@ -5358,6 +4564,609 @@
     <p:extLst>
       <p:ext uri="{BB962C8B-B14F-4D97-AF65-F5344CB8AC3E}">
         <p14:creationId xmlns:p14="http://schemas.microsoft.com/office/powerpoint/2010/main" val="204899498"/>
+      </p:ext>
+    </p:extLst>
+  </p:cSld>
+  <p:clrMapOvr>
+    <a:masterClrMapping/>
+  </p:clrMapOvr>
+</p:sld>
+</file>
+
+<file path=ppt/slides/slide3.xml><?xml version="1.0" encoding="utf-8"?>
+<p:sld xmlns:a="http://schemas.openxmlformats.org/drawingml/2006/main" xmlns:r="http://schemas.openxmlformats.org/officeDocument/2006/relationships" xmlns:p="http://schemas.openxmlformats.org/presentationml/2006/main">
+  <p:cSld>
+    <p:spTree>
+      <p:nvGrpSpPr>
+        <p:cNvPr id="1" name=""/>
+        <p:cNvGrpSpPr/>
+        <p:nvPr/>
+      </p:nvGrpSpPr>
+      <p:grpSpPr>
+        <a:xfrm>
+          <a:off x="0" y="0"/>
+          <a:ext cx="0" cy="0"/>
+          <a:chOff x="0" y="0"/>
+          <a:chExt cx="0" cy="0"/>
+        </a:xfrm>
+      </p:grpSpPr>
+      <p:sp>
+        <p:nvSpPr>
+          <p:cNvPr id="2" name="Title 1"/>
+          <p:cNvSpPr>
+            <a:spLocks noGrp="1"/>
+          </p:cNvSpPr>
+          <p:nvPr>
+            <p:ph type="title"/>
+          </p:nvPr>
+        </p:nvSpPr>
+        <p:spPr>
+          <a:xfrm>
+            <a:off x="550695" y="782674"/>
+            <a:ext cx="8229600" cy="990600"/>
+          </a:xfrm>
+        </p:spPr>
+        <p:txBody>
+          <a:bodyPr>
+            <a:normAutofit/>
+          </a:bodyPr>
+          <a:lstStyle/>
+          <a:p>
+            <a:r>
+              <a:rPr lang="ca-ES"/>
+              <a:t>2. Algorísmica</a:t>
+            </a:r>
+          </a:p>
+        </p:txBody>
+      </p:sp>
+      <p:pic>
+        <p:nvPicPr>
+          <p:cNvPr id="5" name="Picture 4"/>
+          <p:cNvPicPr>
+            <a:picLocks noChangeAspect="1"/>
+          </p:cNvPicPr>
+          <p:nvPr/>
+        </p:nvPicPr>
+        <p:blipFill>
+          <a:blip r:embed="rId2"/>
+          <a:stretch>
+            <a:fillRect/>
+          </a:stretch>
+        </p:blipFill>
+        <p:spPr>
+          <a:xfrm>
+            <a:off x="7442204" y="472823"/>
+            <a:ext cx="1244595" cy="1244595"/>
+          </a:xfrm>
+          <a:prstGeom prst="rect">
+            <a:avLst/>
+          </a:prstGeom>
+        </p:spPr>
+      </p:pic>
+      <p:sp>
+        <p:nvSpPr>
+          <p:cNvPr id="6" name="Subtitle 2"/>
+          <p:cNvSpPr txBox="1">
+            <a:spLocks/>
+          </p:cNvSpPr>
+          <p:nvPr/>
+        </p:nvSpPr>
+        <p:spPr>
+          <a:xfrm>
+            <a:off x="805401" y="2184027"/>
+            <a:ext cx="7974894" cy="4166690"/>
+          </a:xfrm>
+          <a:prstGeom prst="rect">
+            <a:avLst/>
+          </a:prstGeom>
+          <a:ln>
+            <a:solidFill>
+              <a:srgbClr val="274857"/>
+            </a:solidFill>
+          </a:ln>
+        </p:spPr>
+        <p:txBody>
+          <a:bodyPr vert="horz" lIns="91440" tIns="45720" rIns="91440" bIns="45720" rtlCol="0" anchor="ctr">
+            <a:normAutofit fontScale="77500" lnSpcReduction="20000"/>
+          </a:bodyPr>
+          <a:lstStyle>
+            <a:lvl1pPr marL="182880" indent="-182880" algn="l" defTabSz="914400" rtl="0" eaLnBrk="1" latinLnBrk="0" hangingPunct="1">
+              <a:spcBef>
+                <a:spcPct val="20000"/>
+              </a:spcBef>
+              <a:buClr>
+                <a:schemeClr val="accent1"/>
+              </a:buClr>
+              <a:buSzPct val="85000"/>
+              <a:buFont typeface="Arial" pitchFamily="34" charset="0"/>
+              <a:buChar char="•"/>
+              <a:defRPr sz="2400" kern="1200">
+                <a:solidFill>
+                  <a:schemeClr val="tx1"/>
+                </a:solidFill>
+                <a:latin typeface="+mn-lt"/>
+                <a:ea typeface="+mn-ea"/>
+                <a:cs typeface="+mn-cs"/>
+              </a:defRPr>
+            </a:lvl1pPr>
+            <a:lvl2pPr marL="457200" indent="-182880" algn="l" defTabSz="914400" rtl="0" eaLnBrk="1" latinLnBrk="0" hangingPunct="1">
+              <a:spcBef>
+                <a:spcPct val="20000"/>
+              </a:spcBef>
+              <a:buClr>
+                <a:schemeClr val="accent1"/>
+              </a:buClr>
+              <a:buSzPct val="85000"/>
+              <a:buFont typeface="Arial" pitchFamily="34" charset="0"/>
+              <a:buChar char="•"/>
+              <a:defRPr sz="2000" kern="1200">
+                <a:solidFill>
+                  <a:schemeClr val="tx1"/>
+                </a:solidFill>
+                <a:latin typeface="+mn-lt"/>
+                <a:ea typeface="+mn-ea"/>
+                <a:cs typeface="+mn-cs"/>
+              </a:defRPr>
+            </a:lvl2pPr>
+            <a:lvl3pPr marL="731520" indent="-182880" algn="l" defTabSz="914400" rtl="0" eaLnBrk="1" latinLnBrk="0" hangingPunct="1">
+              <a:spcBef>
+                <a:spcPct val="20000"/>
+              </a:spcBef>
+              <a:buClr>
+                <a:schemeClr val="accent1"/>
+              </a:buClr>
+              <a:buSzPct val="90000"/>
+              <a:buFont typeface="Arial" pitchFamily="34" charset="0"/>
+              <a:buChar char="•"/>
+              <a:defRPr sz="1800" kern="1200">
+                <a:solidFill>
+                  <a:schemeClr val="tx1"/>
+                </a:solidFill>
+                <a:latin typeface="+mn-lt"/>
+                <a:ea typeface="+mn-ea"/>
+                <a:cs typeface="+mn-cs"/>
+              </a:defRPr>
+            </a:lvl3pPr>
+            <a:lvl4pPr marL="1005840" indent="-182880" algn="l" defTabSz="914400" rtl="0" eaLnBrk="1" latinLnBrk="0" hangingPunct="1">
+              <a:spcBef>
+                <a:spcPct val="20000"/>
+              </a:spcBef>
+              <a:buClr>
+                <a:schemeClr val="accent1"/>
+              </a:buClr>
+              <a:buFont typeface="Arial" pitchFamily="34" charset="0"/>
+              <a:buChar char="•"/>
+              <a:defRPr sz="1600" kern="1200">
+                <a:solidFill>
+                  <a:schemeClr val="tx1"/>
+                </a:solidFill>
+                <a:latin typeface="+mn-lt"/>
+                <a:ea typeface="+mn-ea"/>
+                <a:cs typeface="+mn-cs"/>
+              </a:defRPr>
+            </a:lvl4pPr>
+            <a:lvl5pPr marL="1188720" indent="-137160" algn="l" defTabSz="914400" rtl="0" eaLnBrk="1" latinLnBrk="0" hangingPunct="1">
+              <a:spcBef>
+                <a:spcPct val="20000"/>
+              </a:spcBef>
+              <a:buClr>
+                <a:schemeClr val="accent1"/>
+              </a:buClr>
+              <a:buSzPct val="100000"/>
+              <a:buFont typeface="Arial" pitchFamily="34" charset="0"/>
+              <a:buChar char="•"/>
+              <a:defRPr sz="1400" kern="1200" baseline="0">
+                <a:solidFill>
+                  <a:schemeClr val="tx1"/>
+                </a:solidFill>
+                <a:latin typeface="+mn-lt"/>
+                <a:ea typeface="+mn-ea"/>
+                <a:cs typeface="+mn-cs"/>
+              </a:defRPr>
+            </a:lvl5pPr>
+            <a:lvl6pPr marL="1371600" indent="-182880" algn="l" defTabSz="914400" rtl="0" eaLnBrk="1" latinLnBrk="0" hangingPunct="1">
+              <a:spcBef>
+                <a:spcPct val="20000"/>
+              </a:spcBef>
+              <a:buClr>
+                <a:schemeClr val="accent1"/>
+              </a:buClr>
+              <a:buFont typeface="Arial" pitchFamily="34" charset="0"/>
+              <a:buChar char="•"/>
+              <a:defRPr sz="1300" kern="1200">
+                <a:solidFill>
+                  <a:schemeClr val="tx1"/>
+                </a:solidFill>
+                <a:latin typeface="+mn-lt"/>
+                <a:ea typeface="+mn-ea"/>
+                <a:cs typeface="+mn-cs"/>
+              </a:defRPr>
+            </a:lvl6pPr>
+            <a:lvl7pPr marL="1554480" indent="-182880" algn="l" defTabSz="914400" rtl="0" eaLnBrk="1" latinLnBrk="0" hangingPunct="1">
+              <a:spcBef>
+                <a:spcPct val="20000"/>
+              </a:spcBef>
+              <a:buClr>
+                <a:schemeClr val="accent1"/>
+              </a:buClr>
+              <a:buFont typeface="Arial" pitchFamily="34" charset="0"/>
+              <a:buChar char="•"/>
+              <a:defRPr sz="1300" kern="1200">
+                <a:solidFill>
+                  <a:schemeClr val="tx1"/>
+                </a:solidFill>
+                <a:latin typeface="+mn-lt"/>
+                <a:ea typeface="+mn-ea"/>
+                <a:cs typeface="+mn-cs"/>
+              </a:defRPr>
+            </a:lvl7pPr>
+            <a:lvl8pPr marL="1737360" indent="-182880" algn="l" defTabSz="914400" rtl="0" eaLnBrk="1" latinLnBrk="0" hangingPunct="1">
+              <a:spcBef>
+                <a:spcPct val="20000"/>
+              </a:spcBef>
+              <a:buClr>
+                <a:schemeClr val="accent1"/>
+              </a:buClr>
+              <a:buFont typeface="Arial" pitchFamily="34" charset="0"/>
+              <a:buChar char="•"/>
+              <a:defRPr sz="1300" kern="1200">
+                <a:solidFill>
+                  <a:schemeClr val="tx1"/>
+                </a:solidFill>
+                <a:latin typeface="+mn-lt"/>
+                <a:ea typeface="+mn-ea"/>
+                <a:cs typeface="+mn-cs"/>
+              </a:defRPr>
+            </a:lvl8pPr>
+            <a:lvl9pPr marL="1920240" indent="-182880" algn="l" defTabSz="914400" rtl="0" eaLnBrk="1" latinLnBrk="0" hangingPunct="1">
+              <a:spcBef>
+                <a:spcPct val="20000"/>
+              </a:spcBef>
+              <a:buClr>
+                <a:schemeClr val="accent1"/>
+              </a:buClr>
+              <a:buFont typeface="Arial" pitchFamily="34" charset="0"/>
+              <a:buChar char="•"/>
+              <a:defRPr sz="1300" kern="1200">
+                <a:solidFill>
+                  <a:schemeClr val="tx1"/>
+                </a:solidFill>
+                <a:latin typeface="+mn-lt"/>
+                <a:ea typeface="+mn-ea"/>
+                <a:cs typeface="+mn-cs"/>
+              </a:defRPr>
+            </a:lvl9pPr>
+          </a:lstStyle>
+          <a:p>
+            <a:r>
+              <a:rPr lang="ca-ES" dirty="0"/>
+              <a:t>Conducció: </a:t>
+            </a:r>
+            <a:r>
+              <a:rPr lang="ca-ES" dirty="0" err="1"/>
+              <a:t>Gamepad</a:t>
+            </a:r>
+            <a:r>
+              <a:rPr lang="ca-ES" dirty="0"/>
+              <a:t> controlat per </a:t>
+            </a:r>
+            <a:r>
+              <a:rPr lang="ca-ES" dirty="0" err="1"/>
+              <a:t>Python</a:t>
+            </a:r>
+            <a:r>
+              <a:rPr lang="ca-ES" dirty="0"/>
+              <a:t> i envia instruccions a </a:t>
+            </a:r>
+            <a:r>
+              <a:rPr lang="ca-ES" dirty="0" err="1"/>
+              <a:t>l’Arduino</a:t>
+            </a:r>
+            <a:r>
+              <a:rPr lang="ca-ES" dirty="0"/>
+              <a:t> per Serial</a:t>
+            </a:r>
+          </a:p>
+          <a:p>
+            <a:pPr marL="0" indent="0">
+              <a:buNone/>
+            </a:pPr>
+            <a:endParaRPr lang="ca-ES" dirty="0"/>
+          </a:p>
+          <a:p>
+            <a:r>
+              <a:rPr lang="ca-ES" dirty="0"/>
+              <a:t>IA: SSD </a:t>
+            </a:r>
+            <a:r>
+              <a:rPr lang="ca-ES" dirty="0" err="1"/>
+              <a:t>ResNet</a:t>
+            </a:r>
+            <a:r>
+              <a:rPr lang="ca-ES" dirty="0"/>
+              <a:t> per detectar persones</a:t>
+            </a:r>
+          </a:p>
+          <a:p>
+            <a:pPr marL="0" indent="0">
+              <a:buNone/>
+            </a:pPr>
+            <a:endParaRPr lang="ca-ES" dirty="0"/>
+          </a:p>
+          <a:p>
+            <a:r>
+              <a:rPr lang="es-ES" b="0" i="0" dirty="0" err="1">
+                <a:solidFill>
+                  <a:srgbClr val="000000"/>
+                </a:solidFill>
+                <a:effectLst/>
+                <a:latin typeface="Open Sans" panose="020B0604020202020204" pitchFamily="34" charset="0"/>
+              </a:rPr>
+              <a:t>Fusió</a:t>
+            </a:r>
+            <a:r>
+              <a:rPr lang="es-ES" b="0" i="0" dirty="0">
+                <a:solidFill>
+                  <a:srgbClr val="000000"/>
+                </a:solidFill>
+                <a:effectLst/>
+                <a:latin typeface="Open Sans" panose="020B0604020202020204" pitchFamily="34" charset="0"/>
+              </a:rPr>
+              <a:t> de </a:t>
+            </a:r>
+            <a:r>
+              <a:rPr lang="es-ES" b="0" i="0" dirty="0" err="1">
+                <a:solidFill>
+                  <a:srgbClr val="000000"/>
+                </a:solidFill>
+                <a:effectLst/>
+                <a:latin typeface="Open Sans" panose="020B0604020202020204" pitchFamily="34" charset="0"/>
+              </a:rPr>
+              <a:t>càmeres</a:t>
+            </a:r>
+            <a:r>
+              <a:rPr lang="es-ES" b="0" i="0" dirty="0">
+                <a:solidFill>
+                  <a:srgbClr val="000000"/>
+                </a:solidFill>
+                <a:effectLst/>
+                <a:latin typeface="Open Sans" panose="020B0604020202020204" pitchFamily="34" charset="0"/>
+              </a:rPr>
+              <a:t>: </a:t>
+            </a:r>
+            <a:r>
+              <a:rPr lang="es-ES" b="0" i="0" dirty="0" err="1">
+                <a:solidFill>
+                  <a:srgbClr val="000000"/>
+                </a:solidFill>
+                <a:effectLst/>
+                <a:latin typeface="Open Sans" panose="020B0604020202020204" pitchFamily="34" charset="0"/>
+              </a:rPr>
+              <a:t>ajuntar</a:t>
+            </a:r>
+            <a:r>
+              <a:rPr lang="es-ES" b="0" i="0" dirty="0">
+                <a:solidFill>
+                  <a:srgbClr val="000000"/>
+                </a:solidFill>
+                <a:effectLst/>
+                <a:latin typeface="Open Sans" panose="020B0604020202020204" pitchFamily="34" charset="0"/>
+              </a:rPr>
+              <a:t> la imatge de la </a:t>
+            </a:r>
+            <a:r>
+              <a:rPr lang="es-ES" b="0" i="0" dirty="0" err="1">
+                <a:solidFill>
+                  <a:srgbClr val="000000"/>
+                </a:solidFill>
+                <a:effectLst/>
+                <a:latin typeface="Open Sans" panose="020B0604020202020204" pitchFamily="34" charset="0"/>
+              </a:rPr>
+              <a:t>càmera</a:t>
+            </a:r>
+            <a:r>
+              <a:rPr lang="es-ES" b="0" i="0" dirty="0">
+                <a:solidFill>
+                  <a:srgbClr val="000000"/>
+                </a:solidFill>
+                <a:effectLst/>
+                <a:latin typeface="Open Sans" panose="020B0604020202020204" pitchFamily="34" charset="0"/>
+              </a:rPr>
+              <a:t> </a:t>
+            </a:r>
+            <a:r>
+              <a:rPr lang="es-ES" b="0" i="0" dirty="0" err="1">
+                <a:solidFill>
+                  <a:srgbClr val="000000"/>
+                </a:solidFill>
+                <a:effectLst/>
+                <a:latin typeface="Open Sans" panose="020B0604020202020204" pitchFamily="34" charset="0"/>
+              </a:rPr>
+              <a:t>tèrmica</a:t>
+            </a:r>
+            <a:r>
+              <a:rPr lang="es-ES" b="0" i="0" dirty="0">
+                <a:solidFill>
+                  <a:srgbClr val="000000"/>
+                </a:solidFill>
+                <a:effectLst/>
+                <a:latin typeface="Open Sans" panose="020B0604020202020204" pitchFamily="34" charset="0"/>
+              </a:rPr>
+              <a:t> (8x8 pixels) i la normal, fent </a:t>
+            </a:r>
+            <a:r>
+              <a:rPr lang="es-ES" b="0" i="0" dirty="0" err="1">
+                <a:solidFill>
+                  <a:srgbClr val="000000"/>
+                </a:solidFill>
+                <a:effectLst/>
+                <a:latin typeface="Open Sans" panose="020B0604020202020204" pitchFamily="34" charset="0"/>
+              </a:rPr>
+              <a:t>interpolació</a:t>
+            </a:r>
+            <a:r>
+              <a:rPr lang="es-ES" b="0" i="0" dirty="0">
+                <a:solidFill>
+                  <a:srgbClr val="000000"/>
+                </a:solidFill>
+                <a:effectLst/>
+                <a:latin typeface="Open Sans" panose="020B0604020202020204" pitchFamily="34" charset="0"/>
+              </a:rPr>
+              <a:t> </a:t>
+            </a:r>
+            <a:r>
+              <a:rPr lang="es-ES" b="0" i="0" dirty="0" err="1">
+                <a:solidFill>
+                  <a:srgbClr val="000000"/>
+                </a:solidFill>
+                <a:effectLst/>
+                <a:latin typeface="Open Sans" panose="020B0604020202020204" pitchFamily="34" charset="0"/>
+              </a:rPr>
+              <a:t>bicúbica</a:t>
+            </a:r>
+            <a:r>
+              <a:rPr lang="es-ES" b="0" i="0" dirty="0">
+                <a:solidFill>
+                  <a:srgbClr val="000000"/>
+                </a:solidFill>
+                <a:effectLst/>
+                <a:latin typeface="Open Sans" panose="020B0604020202020204" pitchFamily="34" charset="0"/>
+              </a:rPr>
+              <a:t> de la </a:t>
+            </a:r>
+            <a:r>
+              <a:rPr lang="es-ES" b="0" i="0" dirty="0" err="1">
+                <a:solidFill>
+                  <a:srgbClr val="000000"/>
+                </a:solidFill>
+                <a:effectLst/>
+                <a:latin typeface="Open Sans" panose="020B0604020202020204" pitchFamily="34" charset="0"/>
+              </a:rPr>
+              <a:t>tèrmica</a:t>
+            </a:r>
+            <a:r>
+              <a:rPr lang="es-ES" b="0" i="0" dirty="0">
+                <a:solidFill>
+                  <a:srgbClr val="000000"/>
+                </a:solidFill>
+                <a:effectLst/>
+                <a:latin typeface="Open Sans" panose="020B0604020202020204" pitchFamily="34" charset="0"/>
+              </a:rPr>
+              <a:t> per </a:t>
+            </a:r>
+            <a:r>
+              <a:rPr lang="es-ES" b="0" i="0" dirty="0" err="1">
+                <a:solidFill>
+                  <a:srgbClr val="000000"/>
+                </a:solidFill>
+                <a:effectLst/>
+                <a:latin typeface="Open Sans" panose="020B0604020202020204" pitchFamily="34" charset="0"/>
+              </a:rPr>
+              <a:t>fer</a:t>
+            </a:r>
+            <a:r>
+              <a:rPr lang="es-ES" b="0" i="0" dirty="0">
+                <a:solidFill>
+                  <a:srgbClr val="000000"/>
+                </a:solidFill>
+                <a:effectLst/>
+                <a:latin typeface="Open Sans" panose="020B0604020202020204" pitchFamily="34" charset="0"/>
+              </a:rPr>
+              <a:t>-la més gran de el que realment </a:t>
+            </a:r>
+            <a:r>
+              <a:rPr lang="es-ES" b="0" i="0" dirty="0" err="1">
+                <a:solidFill>
+                  <a:srgbClr val="000000"/>
+                </a:solidFill>
+                <a:effectLst/>
+                <a:latin typeface="Open Sans" panose="020B0604020202020204" pitchFamily="34" charset="0"/>
+              </a:rPr>
+              <a:t>és</a:t>
+            </a:r>
+            <a:r>
+              <a:rPr lang="es-ES" b="0" i="0" dirty="0">
+                <a:solidFill>
+                  <a:srgbClr val="000000"/>
+                </a:solidFill>
+                <a:effectLst/>
+                <a:latin typeface="Open Sans" panose="020B0604020202020204" pitchFamily="34" charset="0"/>
+              </a:rPr>
+              <a:t>.</a:t>
+            </a:r>
+            <a:br>
+              <a:rPr lang="es-ES" dirty="0"/>
+            </a:br>
+            <a:endParaRPr lang="ca-ES" dirty="0"/>
+          </a:p>
+          <a:p>
+            <a:r>
+              <a:rPr lang="ca-ES" dirty="0" err="1"/>
+              <a:t>Google</a:t>
+            </a:r>
+            <a:r>
+              <a:rPr lang="ca-ES" dirty="0"/>
+              <a:t> </a:t>
+            </a:r>
+            <a:r>
+              <a:rPr lang="ca-ES" dirty="0" err="1"/>
+              <a:t>Cloud</a:t>
+            </a:r>
+            <a:r>
+              <a:rPr lang="ca-ES" dirty="0"/>
+              <a:t>: </a:t>
+            </a:r>
+            <a:r>
+              <a:rPr lang="ca-ES" dirty="0" err="1"/>
+              <a:t>Speech</a:t>
+            </a:r>
+            <a:r>
+              <a:rPr lang="ca-ES" dirty="0"/>
+              <a:t> to text per aconseguir transcripció en temps real del que recull el micròfon del robot.</a:t>
+            </a:r>
+          </a:p>
+          <a:p>
+            <a:pPr marL="0" indent="0">
+              <a:buNone/>
+            </a:pPr>
+            <a:endParaRPr lang="ca-ES" dirty="0"/>
+          </a:p>
+          <a:p>
+            <a:r>
+              <a:rPr lang="ca-ES" dirty="0"/>
+              <a:t>Servidor amb </a:t>
+            </a:r>
+            <a:r>
+              <a:rPr lang="ca-ES" dirty="0" err="1"/>
+              <a:t>Flask</a:t>
+            </a:r>
+            <a:r>
+              <a:rPr lang="ca-ES" dirty="0"/>
+              <a:t> i </a:t>
+            </a:r>
+            <a:r>
+              <a:rPr lang="ca-ES" dirty="0" err="1"/>
+              <a:t>websockets</a:t>
+            </a:r>
+            <a:r>
+              <a:rPr lang="ca-ES" dirty="0"/>
+              <a:t>: Permet veure les imatges de les càmeres en </a:t>
+            </a:r>
+            <a:r>
+              <a:rPr lang="ca-ES" dirty="0" err="1"/>
+              <a:t>streaming</a:t>
+            </a:r>
+            <a:r>
+              <a:rPr lang="ca-ES" dirty="0"/>
+              <a:t>, dades i gràfiques en temps real dels sensors i la transcripció en temps real.</a:t>
+            </a:r>
+          </a:p>
+        </p:txBody>
+      </p:sp>
+    </p:spTree>
+    <p:extLst>
+      <p:ext uri="{BB962C8B-B14F-4D97-AF65-F5344CB8AC3E}">
+        <p14:creationId xmlns:p14="http://schemas.microsoft.com/office/powerpoint/2010/main" val="274339042"/>
       </p:ext>
     </p:extLst>
   </p:cSld>
@@ -5394,609 +5203,6 @@
             <p:ph type="title"/>
           </p:nvPr>
         </p:nvSpPr>
-        <p:spPr>
-          <a:xfrm>
-            <a:off x="550695" y="782674"/>
-            <a:ext cx="8229600" cy="990600"/>
-          </a:xfrm>
-        </p:spPr>
-        <p:txBody>
-          <a:bodyPr>
-            <a:normAutofit/>
-          </a:bodyPr>
-          <a:lstStyle/>
-          <a:p>
-            <a:r>
-              <a:rPr lang="ca-ES"/>
-              <a:t>2. Algorísmica</a:t>
-            </a:r>
-          </a:p>
-        </p:txBody>
-      </p:sp>
-      <p:pic>
-        <p:nvPicPr>
-          <p:cNvPr id="5" name="Picture 4"/>
-          <p:cNvPicPr>
-            <a:picLocks noChangeAspect="1"/>
-          </p:cNvPicPr>
-          <p:nvPr/>
-        </p:nvPicPr>
-        <p:blipFill>
-          <a:blip r:embed="rId2"/>
-          <a:stretch>
-            <a:fillRect/>
-          </a:stretch>
-        </p:blipFill>
-        <p:spPr>
-          <a:xfrm>
-            <a:off x="7442204" y="472823"/>
-            <a:ext cx="1244595" cy="1244595"/>
-          </a:xfrm>
-          <a:prstGeom prst="rect">
-            <a:avLst/>
-          </a:prstGeom>
-        </p:spPr>
-      </p:pic>
-      <p:sp>
-        <p:nvSpPr>
-          <p:cNvPr id="6" name="Subtitle 2"/>
-          <p:cNvSpPr txBox="1">
-            <a:spLocks/>
-          </p:cNvSpPr>
-          <p:nvPr/>
-        </p:nvSpPr>
-        <p:spPr>
-          <a:xfrm>
-            <a:off x="805401" y="2184027"/>
-            <a:ext cx="7974894" cy="4166690"/>
-          </a:xfrm>
-          <a:prstGeom prst="rect">
-            <a:avLst/>
-          </a:prstGeom>
-          <a:ln>
-            <a:solidFill>
-              <a:srgbClr val="274857"/>
-            </a:solidFill>
-          </a:ln>
-        </p:spPr>
-        <p:txBody>
-          <a:bodyPr vert="horz" lIns="91440" tIns="45720" rIns="91440" bIns="45720" rtlCol="0" anchor="ctr">
-            <a:normAutofit fontScale="77500" lnSpcReduction="20000"/>
-          </a:bodyPr>
-          <a:lstStyle>
-            <a:lvl1pPr marL="182880" indent="-182880" algn="l" defTabSz="914400" rtl="0" eaLnBrk="1" latinLnBrk="0" hangingPunct="1">
-              <a:spcBef>
-                <a:spcPct val="20000"/>
-              </a:spcBef>
-              <a:buClr>
-                <a:schemeClr val="accent1"/>
-              </a:buClr>
-              <a:buSzPct val="85000"/>
-              <a:buFont typeface="Arial" pitchFamily="34" charset="0"/>
-              <a:buChar char="•"/>
-              <a:defRPr sz="2400" kern="1200">
-                <a:solidFill>
-                  <a:schemeClr val="tx1"/>
-                </a:solidFill>
-                <a:latin typeface="+mn-lt"/>
-                <a:ea typeface="+mn-ea"/>
-                <a:cs typeface="+mn-cs"/>
-              </a:defRPr>
-            </a:lvl1pPr>
-            <a:lvl2pPr marL="457200" indent="-182880" algn="l" defTabSz="914400" rtl="0" eaLnBrk="1" latinLnBrk="0" hangingPunct="1">
-              <a:spcBef>
-                <a:spcPct val="20000"/>
-              </a:spcBef>
-              <a:buClr>
-                <a:schemeClr val="accent1"/>
-              </a:buClr>
-              <a:buSzPct val="85000"/>
-              <a:buFont typeface="Arial" pitchFamily="34" charset="0"/>
-              <a:buChar char="•"/>
-              <a:defRPr sz="2000" kern="1200">
-                <a:solidFill>
-                  <a:schemeClr val="tx1"/>
-                </a:solidFill>
-                <a:latin typeface="+mn-lt"/>
-                <a:ea typeface="+mn-ea"/>
-                <a:cs typeface="+mn-cs"/>
-              </a:defRPr>
-            </a:lvl2pPr>
-            <a:lvl3pPr marL="731520" indent="-182880" algn="l" defTabSz="914400" rtl="0" eaLnBrk="1" latinLnBrk="0" hangingPunct="1">
-              <a:spcBef>
-                <a:spcPct val="20000"/>
-              </a:spcBef>
-              <a:buClr>
-                <a:schemeClr val="accent1"/>
-              </a:buClr>
-              <a:buSzPct val="90000"/>
-              <a:buFont typeface="Arial" pitchFamily="34" charset="0"/>
-              <a:buChar char="•"/>
-              <a:defRPr sz="1800" kern="1200">
-                <a:solidFill>
-                  <a:schemeClr val="tx1"/>
-                </a:solidFill>
-                <a:latin typeface="+mn-lt"/>
-                <a:ea typeface="+mn-ea"/>
-                <a:cs typeface="+mn-cs"/>
-              </a:defRPr>
-            </a:lvl3pPr>
-            <a:lvl4pPr marL="1005840" indent="-182880" algn="l" defTabSz="914400" rtl="0" eaLnBrk="1" latinLnBrk="0" hangingPunct="1">
-              <a:spcBef>
-                <a:spcPct val="20000"/>
-              </a:spcBef>
-              <a:buClr>
-                <a:schemeClr val="accent1"/>
-              </a:buClr>
-              <a:buFont typeface="Arial" pitchFamily="34" charset="0"/>
-              <a:buChar char="•"/>
-              <a:defRPr sz="1600" kern="1200">
-                <a:solidFill>
-                  <a:schemeClr val="tx1"/>
-                </a:solidFill>
-                <a:latin typeface="+mn-lt"/>
-                <a:ea typeface="+mn-ea"/>
-                <a:cs typeface="+mn-cs"/>
-              </a:defRPr>
-            </a:lvl4pPr>
-            <a:lvl5pPr marL="1188720" indent="-137160" algn="l" defTabSz="914400" rtl="0" eaLnBrk="1" latinLnBrk="0" hangingPunct="1">
-              <a:spcBef>
-                <a:spcPct val="20000"/>
-              </a:spcBef>
-              <a:buClr>
-                <a:schemeClr val="accent1"/>
-              </a:buClr>
-              <a:buSzPct val="100000"/>
-              <a:buFont typeface="Arial" pitchFamily="34" charset="0"/>
-              <a:buChar char="•"/>
-              <a:defRPr sz="1400" kern="1200" baseline="0">
-                <a:solidFill>
-                  <a:schemeClr val="tx1"/>
-                </a:solidFill>
-                <a:latin typeface="+mn-lt"/>
-                <a:ea typeface="+mn-ea"/>
-                <a:cs typeface="+mn-cs"/>
-              </a:defRPr>
-            </a:lvl5pPr>
-            <a:lvl6pPr marL="1371600" indent="-182880" algn="l" defTabSz="914400" rtl="0" eaLnBrk="1" latinLnBrk="0" hangingPunct="1">
-              <a:spcBef>
-                <a:spcPct val="20000"/>
-              </a:spcBef>
-              <a:buClr>
-                <a:schemeClr val="accent1"/>
-              </a:buClr>
-              <a:buFont typeface="Arial" pitchFamily="34" charset="0"/>
-              <a:buChar char="•"/>
-              <a:defRPr sz="1300" kern="1200">
-                <a:solidFill>
-                  <a:schemeClr val="tx1"/>
-                </a:solidFill>
-                <a:latin typeface="+mn-lt"/>
-                <a:ea typeface="+mn-ea"/>
-                <a:cs typeface="+mn-cs"/>
-              </a:defRPr>
-            </a:lvl6pPr>
-            <a:lvl7pPr marL="1554480" indent="-182880" algn="l" defTabSz="914400" rtl="0" eaLnBrk="1" latinLnBrk="0" hangingPunct="1">
-              <a:spcBef>
-                <a:spcPct val="20000"/>
-              </a:spcBef>
-              <a:buClr>
-                <a:schemeClr val="accent1"/>
-              </a:buClr>
-              <a:buFont typeface="Arial" pitchFamily="34" charset="0"/>
-              <a:buChar char="•"/>
-              <a:defRPr sz="1300" kern="1200">
-                <a:solidFill>
-                  <a:schemeClr val="tx1"/>
-                </a:solidFill>
-                <a:latin typeface="+mn-lt"/>
-                <a:ea typeface="+mn-ea"/>
-                <a:cs typeface="+mn-cs"/>
-              </a:defRPr>
-            </a:lvl7pPr>
-            <a:lvl8pPr marL="1737360" indent="-182880" algn="l" defTabSz="914400" rtl="0" eaLnBrk="1" latinLnBrk="0" hangingPunct="1">
-              <a:spcBef>
-                <a:spcPct val="20000"/>
-              </a:spcBef>
-              <a:buClr>
-                <a:schemeClr val="accent1"/>
-              </a:buClr>
-              <a:buFont typeface="Arial" pitchFamily="34" charset="0"/>
-              <a:buChar char="•"/>
-              <a:defRPr sz="1300" kern="1200">
-                <a:solidFill>
-                  <a:schemeClr val="tx1"/>
-                </a:solidFill>
-                <a:latin typeface="+mn-lt"/>
-                <a:ea typeface="+mn-ea"/>
-                <a:cs typeface="+mn-cs"/>
-              </a:defRPr>
-            </a:lvl8pPr>
-            <a:lvl9pPr marL="1920240" indent="-182880" algn="l" defTabSz="914400" rtl="0" eaLnBrk="1" latinLnBrk="0" hangingPunct="1">
-              <a:spcBef>
-                <a:spcPct val="20000"/>
-              </a:spcBef>
-              <a:buClr>
-                <a:schemeClr val="accent1"/>
-              </a:buClr>
-              <a:buFont typeface="Arial" pitchFamily="34" charset="0"/>
-              <a:buChar char="•"/>
-              <a:defRPr sz="1300" kern="1200">
-                <a:solidFill>
-                  <a:schemeClr val="tx1"/>
-                </a:solidFill>
-                <a:latin typeface="+mn-lt"/>
-                <a:ea typeface="+mn-ea"/>
-                <a:cs typeface="+mn-cs"/>
-              </a:defRPr>
-            </a:lvl9pPr>
-          </a:lstStyle>
-          <a:p>
-            <a:r>
-              <a:rPr lang="ca-ES" dirty="0"/>
-              <a:t>Conducció: </a:t>
-            </a:r>
-            <a:r>
-              <a:rPr lang="ca-ES" dirty="0" err="1"/>
-              <a:t>Gamepad</a:t>
-            </a:r>
-            <a:r>
-              <a:rPr lang="ca-ES" dirty="0"/>
-              <a:t> controlat per </a:t>
-            </a:r>
-            <a:r>
-              <a:rPr lang="ca-ES" dirty="0" err="1"/>
-              <a:t>Python</a:t>
-            </a:r>
-            <a:r>
-              <a:rPr lang="ca-ES" dirty="0"/>
-              <a:t> i envia instruccions a </a:t>
-            </a:r>
-            <a:r>
-              <a:rPr lang="ca-ES" dirty="0" err="1"/>
-              <a:t>l’Arduino</a:t>
-            </a:r>
-            <a:r>
-              <a:rPr lang="ca-ES" dirty="0"/>
-              <a:t> per Serial</a:t>
-            </a:r>
-          </a:p>
-          <a:p>
-            <a:pPr marL="0" indent="0">
-              <a:buNone/>
-            </a:pPr>
-            <a:endParaRPr lang="ca-ES" dirty="0"/>
-          </a:p>
-          <a:p>
-            <a:r>
-              <a:rPr lang="ca-ES" dirty="0"/>
-              <a:t>IA: SSD </a:t>
-            </a:r>
-            <a:r>
-              <a:rPr lang="ca-ES" dirty="0" err="1"/>
-              <a:t>ResNet</a:t>
-            </a:r>
-            <a:r>
-              <a:rPr lang="ca-ES" dirty="0"/>
-              <a:t> per detectar persones</a:t>
-            </a:r>
-          </a:p>
-          <a:p>
-            <a:pPr marL="0" indent="0">
-              <a:buNone/>
-            </a:pPr>
-            <a:endParaRPr lang="ca-ES" dirty="0"/>
-          </a:p>
-          <a:p>
-            <a:r>
-              <a:rPr lang="es-ES" b="0" i="0" dirty="0" err="1">
-                <a:solidFill>
-                  <a:srgbClr val="000000"/>
-                </a:solidFill>
-                <a:effectLst/>
-                <a:latin typeface="Open Sans" panose="020B0604020202020204" pitchFamily="34" charset="0"/>
-              </a:rPr>
-              <a:t>Fusió</a:t>
-            </a:r>
-            <a:r>
-              <a:rPr lang="es-ES" b="0" i="0" dirty="0">
-                <a:solidFill>
-                  <a:srgbClr val="000000"/>
-                </a:solidFill>
-                <a:effectLst/>
-                <a:latin typeface="Open Sans" panose="020B0604020202020204" pitchFamily="34" charset="0"/>
-              </a:rPr>
-              <a:t> de </a:t>
-            </a:r>
-            <a:r>
-              <a:rPr lang="es-ES" b="0" i="0" dirty="0" err="1">
-                <a:solidFill>
-                  <a:srgbClr val="000000"/>
-                </a:solidFill>
-                <a:effectLst/>
-                <a:latin typeface="Open Sans" panose="020B0604020202020204" pitchFamily="34" charset="0"/>
-              </a:rPr>
-              <a:t>càmeres</a:t>
-            </a:r>
-            <a:r>
-              <a:rPr lang="es-ES" b="0" i="0" dirty="0">
-                <a:solidFill>
-                  <a:srgbClr val="000000"/>
-                </a:solidFill>
-                <a:effectLst/>
-                <a:latin typeface="Open Sans" panose="020B0604020202020204" pitchFamily="34" charset="0"/>
-              </a:rPr>
-              <a:t>: </a:t>
-            </a:r>
-            <a:r>
-              <a:rPr lang="es-ES" b="0" i="0" dirty="0" err="1">
-                <a:solidFill>
-                  <a:srgbClr val="000000"/>
-                </a:solidFill>
-                <a:effectLst/>
-                <a:latin typeface="Open Sans" panose="020B0604020202020204" pitchFamily="34" charset="0"/>
-              </a:rPr>
-              <a:t>ajuntar</a:t>
-            </a:r>
-            <a:r>
-              <a:rPr lang="es-ES" b="0" i="0" dirty="0">
-                <a:solidFill>
-                  <a:srgbClr val="000000"/>
-                </a:solidFill>
-                <a:effectLst/>
-                <a:latin typeface="Open Sans" panose="020B0604020202020204" pitchFamily="34" charset="0"/>
-              </a:rPr>
-              <a:t> la imatge de la </a:t>
-            </a:r>
-            <a:r>
-              <a:rPr lang="es-ES" b="0" i="0" dirty="0" err="1">
-                <a:solidFill>
-                  <a:srgbClr val="000000"/>
-                </a:solidFill>
-                <a:effectLst/>
-                <a:latin typeface="Open Sans" panose="020B0604020202020204" pitchFamily="34" charset="0"/>
-              </a:rPr>
-              <a:t>càmera</a:t>
-            </a:r>
-            <a:r>
-              <a:rPr lang="es-ES" b="0" i="0" dirty="0">
-                <a:solidFill>
-                  <a:srgbClr val="000000"/>
-                </a:solidFill>
-                <a:effectLst/>
-                <a:latin typeface="Open Sans" panose="020B0604020202020204" pitchFamily="34" charset="0"/>
-              </a:rPr>
-              <a:t> </a:t>
-            </a:r>
-            <a:r>
-              <a:rPr lang="es-ES" b="0" i="0" dirty="0" err="1">
-                <a:solidFill>
-                  <a:srgbClr val="000000"/>
-                </a:solidFill>
-                <a:effectLst/>
-                <a:latin typeface="Open Sans" panose="020B0604020202020204" pitchFamily="34" charset="0"/>
-              </a:rPr>
-              <a:t>tèrmica</a:t>
-            </a:r>
-            <a:r>
-              <a:rPr lang="es-ES" b="0" i="0" dirty="0">
-                <a:solidFill>
-                  <a:srgbClr val="000000"/>
-                </a:solidFill>
-                <a:effectLst/>
-                <a:latin typeface="Open Sans" panose="020B0604020202020204" pitchFamily="34" charset="0"/>
-              </a:rPr>
-              <a:t> (8x8 pixels) i la normal, fent </a:t>
-            </a:r>
-            <a:r>
-              <a:rPr lang="es-ES" b="0" i="0" dirty="0" err="1">
-                <a:solidFill>
-                  <a:srgbClr val="000000"/>
-                </a:solidFill>
-                <a:effectLst/>
-                <a:latin typeface="Open Sans" panose="020B0604020202020204" pitchFamily="34" charset="0"/>
-              </a:rPr>
-              <a:t>interpolació</a:t>
-            </a:r>
-            <a:r>
-              <a:rPr lang="es-ES" b="0" i="0" dirty="0">
-                <a:solidFill>
-                  <a:srgbClr val="000000"/>
-                </a:solidFill>
-                <a:effectLst/>
-                <a:latin typeface="Open Sans" panose="020B0604020202020204" pitchFamily="34" charset="0"/>
-              </a:rPr>
-              <a:t> </a:t>
-            </a:r>
-            <a:r>
-              <a:rPr lang="es-ES" b="0" i="0" dirty="0" err="1">
-                <a:solidFill>
-                  <a:srgbClr val="000000"/>
-                </a:solidFill>
-                <a:effectLst/>
-                <a:latin typeface="Open Sans" panose="020B0604020202020204" pitchFamily="34" charset="0"/>
-              </a:rPr>
-              <a:t>bicúbica</a:t>
-            </a:r>
-            <a:r>
-              <a:rPr lang="es-ES" b="0" i="0" dirty="0">
-                <a:solidFill>
-                  <a:srgbClr val="000000"/>
-                </a:solidFill>
-                <a:effectLst/>
-                <a:latin typeface="Open Sans" panose="020B0604020202020204" pitchFamily="34" charset="0"/>
-              </a:rPr>
-              <a:t> de la </a:t>
-            </a:r>
-            <a:r>
-              <a:rPr lang="es-ES" b="0" i="0" dirty="0" err="1">
-                <a:solidFill>
-                  <a:srgbClr val="000000"/>
-                </a:solidFill>
-                <a:effectLst/>
-                <a:latin typeface="Open Sans" panose="020B0604020202020204" pitchFamily="34" charset="0"/>
-              </a:rPr>
-              <a:t>tèrmica</a:t>
-            </a:r>
-            <a:r>
-              <a:rPr lang="es-ES" b="0" i="0" dirty="0">
-                <a:solidFill>
-                  <a:srgbClr val="000000"/>
-                </a:solidFill>
-                <a:effectLst/>
-                <a:latin typeface="Open Sans" panose="020B0604020202020204" pitchFamily="34" charset="0"/>
-              </a:rPr>
-              <a:t> per </a:t>
-            </a:r>
-            <a:r>
-              <a:rPr lang="es-ES" b="0" i="0" dirty="0" err="1">
-                <a:solidFill>
-                  <a:srgbClr val="000000"/>
-                </a:solidFill>
-                <a:effectLst/>
-                <a:latin typeface="Open Sans" panose="020B0604020202020204" pitchFamily="34" charset="0"/>
-              </a:rPr>
-              <a:t>fer</a:t>
-            </a:r>
-            <a:r>
-              <a:rPr lang="es-ES" b="0" i="0" dirty="0">
-                <a:solidFill>
-                  <a:srgbClr val="000000"/>
-                </a:solidFill>
-                <a:effectLst/>
-                <a:latin typeface="Open Sans" panose="020B0604020202020204" pitchFamily="34" charset="0"/>
-              </a:rPr>
-              <a:t>-la més gran de el que realment </a:t>
-            </a:r>
-            <a:r>
-              <a:rPr lang="es-ES" b="0" i="0" dirty="0" err="1">
-                <a:solidFill>
-                  <a:srgbClr val="000000"/>
-                </a:solidFill>
-                <a:effectLst/>
-                <a:latin typeface="Open Sans" panose="020B0604020202020204" pitchFamily="34" charset="0"/>
-              </a:rPr>
-              <a:t>és</a:t>
-            </a:r>
-            <a:r>
-              <a:rPr lang="es-ES" b="0" i="0" dirty="0">
-                <a:solidFill>
-                  <a:srgbClr val="000000"/>
-                </a:solidFill>
-                <a:effectLst/>
-                <a:latin typeface="Open Sans" panose="020B0604020202020204" pitchFamily="34" charset="0"/>
-              </a:rPr>
-              <a:t>.</a:t>
-            </a:r>
-            <a:br>
-              <a:rPr lang="es-ES" dirty="0"/>
-            </a:br>
-            <a:endParaRPr lang="ca-ES" dirty="0"/>
-          </a:p>
-          <a:p>
-            <a:r>
-              <a:rPr lang="ca-ES" dirty="0" err="1"/>
-              <a:t>Google</a:t>
-            </a:r>
-            <a:r>
-              <a:rPr lang="ca-ES" dirty="0"/>
-              <a:t> </a:t>
-            </a:r>
-            <a:r>
-              <a:rPr lang="ca-ES" dirty="0" err="1"/>
-              <a:t>Cloud</a:t>
-            </a:r>
-            <a:r>
-              <a:rPr lang="ca-ES" dirty="0"/>
-              <a:t>: </a:t>
-            </a:r>
-            <a:r>
-              <a:rPr lang="ca-ES" dirty="0" err="1"/>
-              <a:t>Speech</a:t>
-            </a:r>
-            <a:r>
-              <a:rPr lang="ca-ES" dirty="0"/>
-              <a:t> to text per aconseguir transcripció en temps real del que recull el micròfon del robot.</a:t>
-            </a:r>
-          </a:p>
-          <a:p>
-            <a:pPr marL="0" indent="0">
-              <a:buNone/>
-            </a:pPr>
-            <a:endParaRPr lang="ca-ES" dirty="0"/>
-          </a:p>
-          <a:p>
-            <a:r>
-              <a:rPr lang="ca-ES" dirty="0"/>
-              <a:t>Servidor amb </a:t>
-            </a:r>
-            <a:r>
-              <a:rPr lang="ca-ES" dirty="0" err="1"/>
-              <a:t>Flask</a:t>
-            </a:r>
-            <a:r>
-              <a:rPr lang="ca-ES" dirty="0"/>
-              <a:t> i </a:t>
-            </a:r>
-            <a:r>
-              <a:rPr lang="ca-ES" dirty="0" err="1"/>
-              <a:t>websockets</a:t>
-            </a:r>
-            <a:r>
-              <a:rPr lang="ca-ES" dirty="0"/>
-              <a:t>: Permet veure les imatges de les càmeres en </a:t>
-            </a:r>
-            <a:r>
-              <a:rPr lang="ca-ES" dirty="0" err="1"/>
-              <a:t>streaming</a:t>
-            </a:r>
-            <a:r>
-              <a:rPr lang="ca-ES" dirty="0"/>
-              <a:t>, dades i gràfiques en temps real dels sensors i la transcripció en temps real.</a:t>
-            </a:r>
-          </a:p>
-        </p:txBody>
-      </p:sp>
-    </p:spTree>
-    <p:extLst>
-      <p:ext uri="{BB962C8B-B14F-4D97-AF65-F5344CB8AC3E}">
-        <p14:creationId xmlns:p14="http://schemas.microsoft.com/office/powerpoint/2010/main" val="274339042"/>
-      </p:ext>
-    </p:extLst>
-  </p:cSld>
-  <p:clrMapOvr>
-    <a:masterClrMapping/>
-  </p:clrMapOvr>
-</p:sld>
-</file>
-
-<file path=ppt/slides/slide5.xml><?xml version="1.0" encoding="utf-8"?>
-<p:sld xmlns:a="http://schemas.openxmlformats.org/drawingml/2006/main" xmlns:r="http://schemas.openxmlformats.org/officeDocument/2006/relationships" xmlns:p="http://schemas.openxmlformats.org/presentationml/2006/main">
-  <p:cSld>
-    <p:spTree>
-      <p:nvGrpSpPr>
-        <p:cNvPr id="1" name=""/>
-        <p:cNvGrpSpPr/>
-        <p:nvPr/>
-      </p:nvGrpSpPr>
-      <p:grpSpPr>
-        <a:xfrm>
-          <a:off x="0" y="0"/>
-          <a:ext cx="0" cy="0"/>
-          <a:chOff x="0" y="0"/>
-          <a:chExt cx="0" cy="0"/>
-        </a:xfrm>
-      </p:grpSpPr>
-      <p:sp>
-        <p:nvSpPr>
-          <p:cNvPr id="2" name="Title 1"/>
-          <p:cNvSpPr>
-            <a:spLocks noGrp="1"/>
-          </p:cNvSpPr>
-          <p:nvPr>
-            <p:ph type="title"/>
-          </p:nvPr>
-        </p:nvSpPr>
         <p:spPr/>
         <p:txBody>
           <a:bodyPr/>
@@ -6215,10 +5421,6 @@
             <a:pPr marL="0" indent="0" algn="ctr">
               <a:buNone/>
             </a:pPr>
-            <a:r>
-              <a:rPr lang="en-US" sz="3600" i="1" dirty="0"/>
-              <a:t>#AQUÍ FOTOS </a:t>
-            </a:r>
             <a:br>
               <a:rPr lang="en-US" sz="3600" i="1" dirty="0"/>
             </a:br>
@@ -6433,23 +5635,7 @@
                   <a:srgbClr val="FF0000"/>
                 </a:solidFill>
               </a:rPr>
-              <a:t>#AQUÍ </a:t>
-            </a:r>
-            <a:r>
-              <a:rPr lang="en-US" sz="3600" i="1" dirty="0" err="1">
-                <a:solidFill>
-                  <a:srgbClr val="FF0000"/>
-                </a:solidFill>
-              </a:rPr>
-              <a:t>Enllaç</a:t>
-            </a:r>
-            <a:r>
-              <a:rPr lang="en-US" sz="3600" i="1" dirty="0">
-                <a:solidFill>
-                  <a:srgbClr val="FF0000"/>
-                </a:solidFill>
-              </a:rPr>
-              <a:t> al VIDEO DEMO</a:t>
+              <a:t>https://youtu.be/AkMvN83UQ1Q</a:t>
             </a:r>
             <a:br>
               <a:rPr lang="en-US" sz="3600" i="1" dirty="0">
@@ -6681,6 +5867,39 @@
           </a:p>
         </p:txBody>
       </p:sp>
+      <p:pic>
+        <p:nvPicPr>
+          <p:cNvPr id="3" name="Elementos multimedia en línea 2" title="Luci - Human seeker robot in hostile environments.">
+            <a:hlinkClick r:id="" action="ppaction://media"/>
+            <a:extLst>
+              <a:ext uri="{FF2B5EF4-FFF2-40B4-BE49-F238E27FC236}">
+                <a16:creationId xmlns:a16="http://schemas.microsoft.com/office/drawing/2014/main" id="{D47670C4-2344-4B3A-AEDA-2DC15A3AB0C2}"/>
+              </a:ext>
+            </a:extLst>
+          </p:cNvPr>
+          <p:cNvPicPr>
+            <a:picLocks noRot="1" noChangeAspect="1"/>
+          </p:cNvPicPr>
+          <p:nvPr>
+            <a:videoFile r:link="rId1"/>
+          </p:nvPr>
+        </p:nvPicPr>
+        <p:blipFill>
+          <a:blip r:embed="rId3"/>
+          <a:stretch>
+            <a:fillRect/>
+          </a:stretch>
+        </p:blipFill>
+        <p:spPr>
+          <a:xfrm>
+            <a:off x="1334478" y="1341244"/>
+            <a:ext cx="6779093" cy="3830187"/>
+          </a:xfrm>
+          <a:prstGeom prst="rect">
+            <a:avLst/>
+          </a:prstGeom>
+        </p:spPr>
+      </p:pic>
     </p:spTree>
     <p:extLst>
       <p:ext uri="{BB962C8B-B14F-4D97-AF65-F5344CB8AC3E}">
@@ -6691,6 +5910,144 @@
   <p:clrMapOvr>
     <a:masterClrMapping/>
   </p:clrMapOvr>
+  <p:timing>
+    <p:tnLst>
+      <p:par>
+        <p:cTn id="1" dur="indefinite" restart="never" nodeType="tmRoot">
+          <p:childTnLst>
+            <p:seq concurrent="1" nextAc="seek">
+              <p:cTn id="2" dur="indefinite" nodeType="mainSeq">
+                <p:childTnLst>
+                  <p:par>
+                    <p:cTn id="3" fill="hold">
+                      <p:stCondLst>
+                        <p:cond delay="indefinite"/>
+                        <p:cond evt="onBegin" delay="0">
+                          <p:tn val="2"/>
+                        </p:cond>
+                      </p:stCondLst>
+                      <p:childTnLst>
+                        <p:par>
+                          <p:cTn id="4" fill="hold">
+                            <p:stCondLst>
+                              <p:cond delay="0"/>
+                            </p:stCondLst>
+                            <p:childTnLst>
+                              <p:par>
+                                <p:cTn id="5" presetID="1" presetClass="mediacall" presetSubtype="0" fill="hold" nodeType="afterEffect">
+                                  <p:stCondLst>
+                                    <p:cond delay="0"/>
+                                  </p:stCondLst>
+                                  <p:childTnLst>
+                                    <p:cmd type="call" cmd="playFrom(0.0)">
+                                      <p:cBhvr>
+                                        <p:cTn id="6" dur="1" fill="hold"/>
+                                        <p:tgtEl>
+                                          <p:spTgt spid="3"/>
+                                        </p:tgtEl>
+                                      </p:cBhvr>
+                                    </p:cmd>
+                                  </p:childTnLst>
+                                </p:cTn>
+                              </p:par>
+                            </p:childTnLst>
+                          </p:cTn>
+                        </p:par>
+                      </p:childTnLst>
+                    </p:cTn>
+                  </p:par>
+                </p:childTnLst>
+              </p:cTn>
+              <p:prevCondLst>
+                <p:cond evt="onPrev" delay="0">
+                  <p:tgtEl>
+                    <p:sldTgt/>
+                  </p:tgtEl>
+                </p:cond>
+              </p:prevCondLst>
+              <p:nextCondLst>
+                <p:cond evt="onNext" delay="0">
+                  <p:tgtEl>
+                    <p:sldTgt/>
+                  </p:tgtEl>
+                </p:cond>
+              </p:nextCondLst>
+            </p:seq>
+            <p:video>
+              <p:cMediaNode vol="80000">
+                <p:cTn id="7" fill="hold" display="0">
+                  <p:stCondLst>
+                    <p:cond delay="indefinite"/>
+                  </p:stCondLst>
+                </p:cTn>
+                <p:tgtEl>
+                  <p:spTgt spid="3"/>
+                </p:tgtEl>
+              </p:cMediaNode>
+            </p:video>
+            <p:seq concurrent="1" nextAc="seek">
+              <p:cTn id="8" restart="whenNotActive" fill="hold" evtFilter="cancelBubble" nodeType="interactiveSeq">
+                <p:stCondLst>
+                  <p:cond evt="onClick" delay="0">
+                    <p:tgtEl>
+                      <p:spTgt spid="3"/>
+                    </p:tgtEl>
+                  </p:cond>
+                </p:stCondLst>
+                <p:endSync evt="end" delay="0">
+                  <p:rtn val="all"/>
+                </p:endSync>
+                <p:childTnLst>
+                  <p:par>
+                    <p:cTn id="9" fill="hold">
+                      <p:stCondLst>
+                        <p:cond delay="0"/>
+                      </p:stCondLst>
+                      <p:childTnLst>
+                        <p:par>
+                          <p:cTn id="10" fill="hold">
+                            <p:stCondLst>
+                              <p:cond delay="0"/>
+                            </p:stCondLst>
+                            <p:childTnLst>
+                              <p:par>
+                                <p:cTn id="11" presetID="2" presetClass="mediacall" presetSubtype="0" fill="hold" nodeType="clickEffect">
+                                  <p:stCondLst>
+                                    <p:cond delay="0"/>
+                                  </p:stCondLst>
+                                  <p:childTnLst>
+                                    <p:cmd type="call" cmd="togglePause">
+                                      <p:cBhvr>
+                                        <p:cTn id="12" dur="1" fill="hold"/>
+                                        <p:tgtEl>
+                                          <p:spTgt spid="3"/>
+                                        </p:tgtEl>
+                                      </p:cBhvr>
+                                    </p:cmd>
+                                  </p:childTnLst>
+                                </p:cTn>
+                              </p:par>
+                            </p:childTnLst>
+                          </p:cTn>
+                        </p:par>
+                      </p:childTnLst>
+                    </p:cTn>
+                  </p:par>
+                </p:childTnLst>
+              </p:cTn>
+              <p:nextCondLst>
+                <p:cond evt="onClick" delay="0">
+                  <p:tgtEl>
+                    <p:spTgt spid="3"/>
+                  </p:tgtEl>
+                </p:cond>
+              </p:nextCondLst>
+            </p:seq>
+          </p:childTnLst>
+        </p:cTn>
+      </p:par>
+    </p:tnLst>
+  </p:timing>
 </p:sld>
 </file>
 
